--- a/Subhabrata_Ghosh_Lending_Club_Case_Study.pptx
+++ b/Subhabrata_Ghosh_Lending_Club_Case_Study.pptx
@@ -10,6 +10,25 @@
     <p:sldId id="258" r:id="rId4"/>
     <p:sldId id="259" r:id="rId5"/>
     <p:sldId id="260" r:id="rId6"/>
+    <p:sldId id="261" r:id="rId7"/>
+    <p:sldId id="262" r:id="rId8"/>
+    <p:sldId id="263" r:id="rId9"/>
+    <p:sldId id="264" r:id="rId10"/>
+    <p:sldId id="265" r:id="rId11"/>
+    <p:sldId id="266" r:id="rId12"/>
+    <p:sldId id="267" r:id="rId13"/>
+    <p:sldId id="268" r:id="rId14"/>
+    <p:sldId id="269" r:id="rId15"/>
+    <p:sldId id="270" r:id="rId16"/>
+    <p:sldId id="271" r:id="rId17"/>
+    <p:sldId id="272" r:id="rId18"/>
+    <p:sldId id="273" r:id="rId19"/>
+    <p:sldId id="274" r:id="rId20"/>
+    <p:sldId id="275" r:id="rId21"/>
+    <p:sldId id="276" r:id="rId22"/>
+    <p:sldId id="277" r:id="rId23"/>
+    <p:sldId id="278" r:id="rId24"/>
+    <p:sldId id="279" r:id="rId25"/>
   </p:sldIdLst>
   <p:sldSz cx="12192000" cy="6858000"/>
   <p:notesSz cx="6858000" cy="9144000"/>
@@ -108,6 +127,11 @@
       </a:defRPr>
     </a:lvl9pPr>
   </p:defaultTextStyle>
+  <p:extLst>
+    <p:ext uri="{EFAFB233-063F-42B5-8137-9DF3F51BA10A}">
+      <p15:sldGuideLst xmlns:p15="http://schemas.microsoft.com/office/powerpoint/2012/main"/>
+    </p:ext>
+  </p:extLst>
 </p:presentation>
 </file>
 
@@ -1407,6 +1431,13 @@
         </dgm:presLayoutVars>
       </dgm:prSet>
       <dgm:spPr/>
+      <dgm:t>
+        <a:bodyPr/>
+        <a:lstStyle/>
+        <a:p>
+          <a:endParaRPr lang="en-US"/>
+        </a:p>
+      </dgm:t>
     </dgm:pt>
     <dgm:pt modelId="{EC78DE5E-EEE3-4FBE-B6C6-7E82FDD0638E}" type="pres">
       <dgm:prSet presAssocID="{C6E900AE-A4DB-46FF-A609-BFBDAB04C869}" presName="boxAndChildren" presStyleCnt="0"/>
@@ -1426,6 +1457,13 @@
     <dgm:pt modelId="{70F18126-A2EF-4AC9-AD76-619F9DC27158}" type="pres">
       <dgm:prSet presAssocID="{C6E900AE-A4DB-46FF-A609-BFBDAB04C869}" presName="entireBox" presStyleLbl="node1" presStyleIdx="0" presStyleCnt="5"/>
       <dgm:spPr/>
+      <dgm:t>
+        <a:bodyPr/>
+        <a:lstStyle/>
+        <a:p>
+          <a:endParaRPr lang="en-US"/>
+        </a:p>
+      </dgm:t>
     </dgm:pt>
     <dgm:pt modelId="{255058BD-7847-49B5-A688-6989FD664EBF}" type="pres">
       <dgm:prSet presAssocID="{C6E900AE-A4DB-46FF-A609-BFBDAB04C869}" presName="descendantBox" presStyleCnt="0"/>
@@ -1457,10 +1495,24 @@
     <dgm:pt modelId="{64EF8784-ED93-45A5-ABF1-5FD0894463DB}" type="pres">
       <dgm:prSet presAssocID="{FC93F95D-95F3-4640-9DE8-874282C2AD13}" presName="parentTextArrow" presStyleLbl="node1" presStyleIdx="0" presStyleCnt="5"/>
       <dgm:spPr/>
+      <dgm:t>
+        <a:bodyPr/>
+        <a:lstStyle/>
+        <a:p>
+          <a:endParaRPr lang="en-US"/>
+        </a:p>
+      </dgm:t>
     </dgm:pt>
     <dgm:pt modelId="{1B067B92-00AC-4A70-A5B0-69F5C866F72C}" type="pres">
       <dgm:prSet presAssocID="{FC93F95D-95F3-4640-9DE8-874282C2AD13}" presName="arrow" presStyleLbl="node1" presStyleIdx="1" presStyleCnt="5"/>
       <dgm:spPr/>
+      <dgm:t>
+        <a:bodyPr/>
+        <a:lstStyle/>
+        <a:p>
+          <a:endParaRPr lang="en-US"/>
+        </a:p>
+      </dgm:t>
     </dgm:pt>
     <dgm:pt modelId="{09F4CA71-4490-4FA7-A8E3-ED59DCFDD46D}" type="pres">
       <dgm:prSet presAssocID="{FC93F95D-95F3-4640-9DE8-874282C2AD13}" presName="descendantArrow" presStyleCnt="0"/>
@@ -1473,6 +1525,13 @@
         </dgm:presLayoutVars>
       </dgm:prSet>
       <dgm:spPr/>
+      <dgm:t>
+        <a:bodyPr/>
+        <a:lstStyle/>
+        <a:p>
+          <a:endParaRPr lang="en-US"/>
+        </a:p>
+      </dgm:t>
     </dgm:pt>
     <dgm:pt modelId="{595A894F-DE9C-4062-B3BA-E0FCFEB824D8}" type="pres">
       <dgm:prSet presAssocID="{19B1D4CC-67EA-4081-ABBB-AF688D6DD88B}" presName="childTextArrow" presStyleLbl="fgAccFollowNode1" presStyleIdx="2" presStyleCnt="9">
@@ -1500,10 +1559,24 @@
     <dgm:pt modelId="{1BC1D98B-86BA-4A5E-AD21-5DD40BA38546}" type="pres">
       <dgm:prSet presAssocID="{7CFECE8E-DEE4-44CA-91C8-7311F4F88627}" presName="parentTextArrow" presStyleLbl="node1" presStyleIdx="1" presStyleCnt="5"/>
       <dgm:spPr/>
+      <dgm:t>
+        <a:bodyPr/>
+        <a:lstStyle/>
+        <a:p>
+          <a:endParaRPr lang="en-US"/>
+        </a:p>
+      </dgm:t>
     </dgm:pt>
     <dgm:pt modelId="{3D6C916F-4920-403C-9240-89A6A89F2023}" type="pres">
       <dgm:prSet presAssocID="{7CFECE8E-DEE4-44CA-91C8-7311F4F88627}" presName="arrow" presStyleLbl="node1" presStyleIdx="2" presStyleCnt="5"/>
       <dgm:spPr/>
+      <dgm:t>
+        <a:bodyPr/>
+        <a:lstStyle/>
+        <a:p>
+          <a:endParaRPr lang="en-US"/>
+        </a:p>
+      </dgm:t>
     </dgm:pt>
     <dgm:pt modelId="{B2CBB0AD-DCD0-422C-BA90-442AE02D41D3}" type="pres">
       <dgm:prSet presAssocID="{7CFECE8E-DEE4-44CA-91C8-7311F4F88627}" presName="descendantArrow" presStyleCnt="0"/>
@@ -1614,10 +1687,24 @@
     <dgm:pt modelId="{FDE9B660-4AC5-4F63-B378-DB1687B85A8E}" type="pres">
       <dgm:prSet presAssocID="{65EC7577-A9B4-4FA2-92A0-C56472D041A3}" presName="parentTextArrow" presStyleLbl="node1" presStyleIdx="3" presStyleCnt="5"/>
       <dgm:spPr/>
+      <dgm:t>
+        <a:bodyPr/>
+        <a:lstStyle/>
+        <a:p>
+          <a:endParaRPr lang="en-US"/>
+        </a:p>
+      </dgm:t>
     </dgm:pt>
     <dgm:pt modelId="{8C2C2489-BACE-4EFF-A755-82CAAC2DDA5C}" type="pres">
       <dgm:prSet presAssocID="{65EC7577-A9B4-4FA2-92A0-C56472D041A3}" presName="arrow" presStyleLbl="node1" presStyleIdx="4" presStyleCnt="5"/>
       <dgm:spPr/>
+      <dgm:t>
+        <a:bodyPr/>
+        <a:lstStyle/>
+        <a:p>
+          <a:endParaRPr lang="en-US"/>
+        </a:p>
+      </dgm:t>
     </dgm:pt>
     <dgm:pt modelId="{F7770B2E-D30E-4402-B180-8658B3178191}" type="pres">
       <dgm:prSet presAssocID="{65EC7577-A9B4-4FA2-92A0-C56472D041A3}" presName="descendantArrow" presStyleCnt="0"/>
@@ -1655,40 +1742,40 @@
     </dgm:pt>
   </dgm:ptLst>
   <dgm:cxnLst>
+    <dgm:cxn modelId="{ED5A36AF-CFE1-4C61-B2CE-0A404ED1527E}" srcId="{7CFECE8E-DEE4-44CA-91C8-7311F4F88627}" destId="{EAECA495-BAAA-4204-ADA5-C93B46789FB0}" srcOrd="1" destOrd="0" parTransId="{E11AFC97-39A8-4F7E-A93B-C3474A7AB693}" sibTransId="{7BB218CD-ED1A-4817-B312-F666F6FD2C0C}"/>
+    <dgm:cxn modelId="{D7A9CB33-BB06-486C-8CBC-0542BCC263E0}" type="presOf" srcId="{C6E900AE-A4DB-46FF-A609-BFBDAB04C869}" destId="{AA18977A-0E75-440D-B10A-D43E597099C9}" srcOrd="0" destOrd="0" presId="urn:microsoft.com/office/officeart/2005/8/layout/process4"/>
+    <dgm:cxn modelId="{0F6CF802-8067-461A-8526-7A21C5734829}" type="presOf" srcId="{FC93F95D-95F3-4640-9DE8-874282C2AD13}" destId="{1B067B92-00AC-4A70-A5B0-69F5C866F72C}" srcOrd="1" destOrd="0" presId="urn:microsoft.com/office/officeart/2005/8/layout/process4"/>
+    <dgm:cxn modelId="{018F766A-8D71-4C6A-AF5E-6CEC23BE03AF}" type="presOf" srcId="{0335E067-9CD3-49BE-B907-33F7865C37E9}" destId="{5CF883B6-CA2F-425C-BC1F-58945E6ECD94}" srcOrd="0" destOrd="0" presId="urn:microsoft.com/office/officeart/2005/8/layout/process4"/>
+    <dgm:cxn modelId="{69127F41-A977-44B5-B9C2-E4967577320D}" srcId="{7CFECE8E-DEE4-44CA-91C8-7311F4F88627}" destId="{651BE6F0-62B4-4DFE-AF27-7648CCA0757F}" srcOrd="0" destOrd="0" parTransId="{1B4B0C88-35EB-4901-9CC9-A6EFF84EEA96}" sibTransId="{300DC2A4-DBF2-474F-8C47-8754A0E2D777}"/>
+    <dgm:cxn modelId="{3EBAFE87-7B00-471A-8F16-C8003AF24870}" srcId="{65EC7577-A9B4-4FA2-92A0-C56472D041A3}" destId="{8F48E21C-1D18-4635-BE22-97345F92B0D0}" srcOrd="1" destOrd="0" parTransId="{F2F55DF7-FD06-4F39-B27C-C819AC7E3A8E}" sibTransId="{A8EE732F-8A87-4411-B66A-FD52E7C66DB5}"/>
+    <dgm:cxn modelId="{11D7F8E7-0E3A-403F-AAC7-B1892F324A64}" type="presOf" srcId="{D329A21F-5B05-441B-A293-DD936CD68C4C}" destId="{925BA9E8-D107-4DE6-914E-B563DB9E02E4}" srcOrd="0" destOrd="0" presId="urn:microsoft.com/office/officeart/2005/8/layout/process4"/>
+    <dgm:cxn modelId="{9C776442-6556-4682-8646-09D84E9A195E}" srcId="{08369A22-CB0E-4701-913E-81E19038557F}" destId="{633E1E5F-0172-4A80-9E19-4CFF70573414}" srcOrd="1" destOrd="0" parTransId="{9CB2AF3D-6DE4-4BA9-A4DE-0FAECFCCAF63}" sibTransId="{9E3C0CBA-80A2-40B8-A078-255FC0B12BD8}"/>
+    <dgm:cxn modelId="{0CA2A500-E628-4DE6-9986-7F481102D952}" srcId="{FC93F95D-95F3-4640-9DE8-874282C2AD13}" destId="{19B1D4CC-67EA-4081-ABBB-AF688D6DD88B}" srcOrd="1" destOrd="0" parTransId="{76CF4118-1BBC-43C3-AC66-D9558109C3BB}" sibTransId="{1A7E73EC-EC74-4564-BF35-69EECEC524E9}"/>
+    <dgm:cxn modelId="{A5F6AB68-AD8A-430F-B67C-0AD3F8A26FF4}" type="presOf" srcId="{8F48E21C-1D18-4635-BE22-97345F92B0D0}" destId="{722CF014-DD59-445D-9A81-A137717B5A98}" srcOrd="0" destOrd="0" presId="urn:microsoft.com/office/officeart/2005/8/layout/process4"/>
+    <dgm:cxn modelId="{EA34A255-EF94-41D5-88D6-4526F6E4AD46}" type="presOf" srcId="{08369A22-CB0E-4701-913E-81E19038557F}" destId="{CFAC1A0C-1DEF-402F-BC30-5881F338B33E}" srcOrd="0" destOrd="0" presId="urn:microsoft.com/office/officeart/2005/8/layout/process4"/>
+    <dgm:cxn modelId="{574572E3-2741-4DA5-B307-928919B5FC8F}" srcId="{65EC7577-A9B4-4FA2-92A0-C56472D041A3}" destId="{9277861E-05BF-4CD3-81F3-74B23BAB3E8C}" srcOrd="0" destOrd="0" parTransId="{F1A06631-A526-4FA5-81F0-44FC36CF5A57}" sibTransId="{E0DA4854-A84B-434D-A37C-27FB1016A3D5}"/>
+    <dgm:cxn modelId="{3B502899-D5FA-4A07-8F2E-108C6DD41834}" type="presOf" srcId="{F56D132D-D5E1-430E-8E0C-7979C2A20567}" destId="{E37694B6-9454-4503-A99A-1190FD386B1A}" srcOrd="0" destOrd="0" presId="urn:microsoft.com/office/officeart/2005/8/layout/process4"/>
+    <dgm:cxn modelId="{E81E167C-E872-42C0-B231-6831C774D9C3}" srcId="{08369A22-CB0E-4701-913E-81E19038557F}" destId="{65EC7577-A9B4-4FA2-92A0-C56472D041A3}" srcOrd="0" destOrd="0" parTransId="{3F2902E2-3A3D-453B-BFB8-4677694C558D}" sibTransId="{CD233A0A-5205-4652-B560-640AD8B89929}"/>
+    <dgm:cxn modelId="{F02A112A-80FA-4220-9C43-6C5F2B6158AA}" srcId="{C6E900AE-A4DB-46FF-A609-BFBDAB04C869}" destId="{FE5C3A2A-B11C-4EEC-B825-D9D5086E4BCE}" srcOrd="0" destOrd="0" parTransId="{FE08BD06-42A7-4023-AA53-A6EA691E0190}" sibTransId="{945E8C6C-BF72-4DCF-9FC9-DE2C06DACAB8}"/>
+    <dgm:cxn modelId="{C6A8E8F4-FD7E-4ECB-BCE6-76FF8C3D9DA7}" type="presOf" srcId="{C6E900AE-A4DB-46FF-A609-BFBDAB04C869}" destId="{70F18126-A2EF-4AC9-AD76-619F9DC27158}" srcOrd="1" destOrd="0" presId="urn:microsoft.com/office/officeart/2005/8/layout/process4"/>
+    <dgm:cxn modelId="{A40AC6AA-4089-47D1-B875-74506F90E761}" type="presOf" srcId="{651BE6F0-62B4-4DFE-AF27-7648CCA0757F}" destId="{2DE7C2FC-44DD-4B6C-A362-402554938119}" srcOrd="0" destOrd="0" presId="urn:microsoft.com/office/officeart/2005/8/layout/process4"/>
+    <dgm:cxn modelId="{55153D9B-70A5-4640-948C-B313511820EB}" type="presOf" srcId="{EAECA495-BAAA-4204-ADA5-C93B46789FB0}" destId="{E55CF4B1-C23C-45BE-8ABC-65E4F67AFEF1}" srcOrd="0" destOrd="0" presId="urn:microsoft.com/office/officeart/2005/8/layout/process4"/>
     <dgm:cxn modelId="{1AA9B4A4-6B2E-4BB0-A9C3-18C6D7984DFC}" type="presOf" srcId="{7CFECE8E-DEE4-44CA-91C8-7311F4F88627}" destId="{1BC1D98B-86BA-4A5E-AD21-5DD40BA38546}" srcOrd="0" destOrd="0" presId="urn:microsoft.com/office/officeart/2005/8/layout/process4"/>
+    <dgm:cxn modelId="{88D58605-5E72-4133-B2EF-F048FE7DFAD1}" type="presOf" srcId="{FE5C3A2A-B11C-4EEC-B825-D9D5086E4BCE}" destId="{7C87EAE5-4873-40E2-A8CC-F0F1182CA8F4}" srcOrd="0" destOrd="0" presId="urn:microsoft.com/office/officeart/2005/8/layout/process4"/>
+    <dgm:cxn modelId="{37B45C04-8DEF-4079-A03C-D7E1CEECD826}" type="presOf" srcId="{FC93F95D-95F3-4640-9DE8-874282C2AD13}" destId="{64EF8784-ED93-45A5-ABF1-5FD0894463DB}" srcOrd="0" destOrd="0" presId="urn:microsoft.com/office/officeart/2005/8/layout/process4"/>
+    <dgm:cxn modelId="{E857BC19-234A-47BE-957F-894EF4BC91EE}" srcId="{08369A22-CB0E-4701-913E-81E19038557F}" destId="{FC93F95D-95F3-4640-9DE8-874282C2AD13}" srcOrd="3" destOrd="0" parTransId="{065D0FD4-1EC7-4C97-AB8D-E80CE5F7D659}" sibTransId="{83B18B4F-02C2-48D5-AEBF-C971EDE64271}"/>
     <dgm:cxn modelId="{38828617-AD94-4287-A9EA-74F12DE91B23}" type="presOf" srcId="{9277861E-05BF-4CD3-81F3-74B23BAB3E8C}" destId="{D8316E0F-BB94-45C7-98F2-206C359B6B46}" srcOrd="0" destOrd="0" presId="urn:microsoft.com/office/officeart/2005/8/layout/process4"/>
-    <dgm:cxn modelId="{0F6CF802-8067-461A-8526-7A21C5734829}" type="presOf" srcId="{FC93F95D-95F3-4640-9DE8-874282C2AD13}" destId="{1B067B92-00AC-4A70-A5B0-69F5C866F72C}" srcOrd="1" destOrd="0" presId="urn:microsoft.com/office/officeart/2005/8/layout/process4"/>
-    <dgm:cxn modelId="{ED5A36AF-CFE1-4C61-B2CE-0A404ED1527E}" srcId="{7CFECE8E-DEE4-44CA-91C8-7311F4F88627}" destId="{EAECA495-BAAA-4204-ADA5-C93B46789FB0}" srcOrd="1" destOrd="0" parTransId="{E11AFC97-39A8-4F7E-A93B-C3474A7AB693}" sibTransId="{7BB218CD-ED1A-4817-B312-F666F6FD2C0C}"/>
+    <dgm:cxn modelId="{C0DB1B86-533C-42DF-9E2A-46F1665527A2}" type="presOf" srcId="{65EC7577-A9B4-4FA2-92A0-C56472D041A3}" destId="{8C2C2489-BACE-4EFF-A755-82CAAC2DDA5C}" srcOrd="1" destOrd="0" presId="urn:microsoft.com/office/officeart/2005/8/layout/process4"/>
+    <dgm:cxn modelId="{960AA45C-30F3-4762-9E7B-DE0A18DF0729}" srcId="{08369A22-CB0E-4701-913E-81E19038557F}" destId="{C6E900AE-A4DB-46FF-A609-BFBDAB04C869}" srcOrd="4" destOrd="0" parTransId="{929EDFC1-CEF7-459E-88D1-A4B8875D1377}" sibTransId="{E8C0D2F5-8AD7-4D4B-9E2F-FEE186D0E991}"/>
+    <dgm:cxn modelId="{05C7A129-30CC-4C24-BC7E-FEFB0ABF01B6}" srcId="{633E1E5F-0172-4A80-9E19-4CFF70573414}" destId="{D329A21F-5B05-441B-A293-DD936CD68C4C}" srcOrd="1" destOrd="0" parTransId="{6B08758D-F661-4BFC-A592-ACCFDB6BEF5A}" sibTransId="{CB0B3C99-58D5-4EC8-ABC2-97C37273E8F4}"/>
     <dgm:cxn modelId="{E002BE95-A96B-4CA9-BEBD-3C86758602B9}" srcId="{08369A22-CB0E-4701-913E-81E19038557F}" destId="{7CFECE8E-DEE4-44CA-91C8-7311F4F88627}" srcOrd="2" destOrd="0" parTransId="{2CAB7A1B-C37D-46EA-B039-DFCE18170F7F}" sibTransId="{F618CF44-F7E8-42FE-AC67-2013B6910595}"/>
-    <dgm:cxn modelId="{88D58605-5E72-4133-B2EF-F048FE7DFAD1}" type="presOf" srcId="{FE5C3A2A-B11C-4EEC-B825-D9D5086E4BCE}" destId="{7C87EAE5-4873-40E2-A8CC-F0F1182CA8F4}" srcOrd="0" destOrd="0" presId="urn:microsoft.com/office/officeart/2005/8/layout/process4"/>
+    <dgm:cxn modelId="{239D8D7D-7173-411F-85DA-DF70342BAB63}" type="presOf" srcId="{65EC7577-A9B4-4FA2-92A0-C56472D041A3}" destId="{FDE9B660-4AC5-4F63-B378-DB1687B85A8E}" srcOrd="0" destOrd="0" presId="urn:microsoft.com/office/officeart/2005/8/layout/process4"/>
+    <dgm:cxn modelId="{775D246A-78F8-4C5F-9AFE-2D30BB94F949}" type="presOf" srcId="{19B1D4CC-67EA-4081-ABBB-AF688D6DD88B}" destId="{595A894F-DE9C-4062-B3BA-E0FCFEB824D8}" srcOrd="0" destOrd="0" presId="urn:microsoft.com/office/officeart/2005/8/layout/process4"/>
     <dgm:cxn modelId="{13C05834-1727-487D-B182-9A7D7B7A67F2}" type="presOf" srcId="{7CFECE8E-DEE4-44CA-91C8-7311F4F88627}" destId="{3D6C916F-4920-403C-9240-89A6A89F2023}" srcOrd="1" destOrd="0" presId="urn:microsoft.com/office/officeart/2005/8/layout/process4"/>
-    <dgm:cxn modelId="{F02A112A-80FA-4220-9C43-6C5F2B6158AA}" srcId="{C6E900AE-A4DB-46FF-A609-BFBDAB04C869}" destId="{FE5C3A2A-B11C-4EEC-B825-D9D5086E4BCE}" srcOrd="0" destOrd="0" parTransId="{FE08BD06-42A7-4023-AA53-A6EA691E0190}" sibTransId="{945E8C6C-BF72-4DCF-9FC9-DE2C06DACAB8}"/>
-    <dgm:cxn modelId="{574572E3-2741-4DA5-B307-928919B5FC8F}" srcId="{65EC7577-A9B4-4FA2-92A0-C56472D041A3}" destId="{9277861E-05BF-4CD3-81F3-74B23BAB3E8C}" srcOrd="0" destOrd="0" parTransId="{F1A06631-A526-4FA5-81F0-44FC36CF5A57}" sibTransId="{E0DA4854-A84B-434D-A37C-27FB1016A3D5}"/>
-    <dgm:cxn modelId="{239D8D7D-7173-411F-85DA-DF70342BAB63}" type="presOf" srcId="{65EC7577-A9B4-4FA2-92A0-C56472D041A3}" destId="{FDE9B660-4AC5-4F63-B378-DB1687B85A8E}" srcOrd="0" destOrd="0" presId="urn:microsoft.com/office/officeart/2005/8/layout/process4"/>
-    <dgm:cxn modelId="{018F766A-8D71-4C6A-AF5E-6CEC23BE03AF}" type="presOf" srcId="{0335E067-9CD3-49BE-B907-33F7865C37E9}" destId="{5CF883B6-CA2F-425C-BC1F-58945E6ECD94}" srcOrd="0" destOrd="0" presId="urn:microsoft.com/office/officeart/2005/8/layout/process4"/>
-    <dgm:cxn modelId="{C0DB1B86-533C-42DF-9E2A-46F1665527A2}" type="presOf" srcId="{65EC7577-A9B4-4FA2-92A0-C56472D041A3}" destId="{8C2C2489-BACE-4EFF-A755-82CAAC2DDA5C}" srcOrd="1" destOrd="0" presId="urn:microsoft.com/office/officeart/2005/8/layout/process4"/>
-    <dgm:cxn modelId="{37B45C04-8DEF-4079-A03C-D7E1CEECD826}" type="presOf" srcId="{FC93F95D-95F3-4640-9DE8-874282C2AD13}" destId="{64EF8784-ED93-45A5-ABF1-5FD0894463DB}" srcOrd="0" destOrd="0" presId="urn:microsoft.com/office/officeart/2005/8/layout/process4"/>
-    <dgm:cxn modelId="{775D246A-78F8-4C5F-9AFE-2D30BB94F949}" type="presOf" srcId="{19B1D4CC-67EA-4081-ABBB-AF688D6DD88B}" destId="{595A894F-DE9C-4062-B3BA-E0FCFEB824D8}" srcOrd="0" destOrd="0" presId="urn:microsoft.com/office/officeart/2005/8/layout/process4"/>
-    <dgm:cxn modelId="{3B502899-D5FA-4A07-8F2E-108C6DD41834}" type="presOf" srcId="{F56D132D-D5E1-430E-8E0C-7979C2A20567}" destId="{E37694B6-9454-4503-A99A-1190FD386B1A}" srcOrd="0" destOrd="0" presId="urn:microsoft.com/office/officeart/2005/8/layout/process4"/>
+    <dgm:cxn modelId="{DFADAC8A-55D1-4DCC-97B6-3948FA85A985}" srcId="{633E1E5F-0172-4A80-9E19-4CFF70573414}" destId="{0335E067-9CD3-49BE-B907-33F7865C37E9}" srcOrd="0" destOrd="0" parTransId="{2F92D4EF-D18B-4321-9B3B-B53652EFDA5D}" sibTransId="{27C2B774-2BBA-4E07-9D4F-821811453265}"/>
+    <dgm:cxn modelId="{1EDEC922-D424-4F32-9382-962AFB4D82A0}" type="presOf" srcId="{633E1E5F-0172-4A80-9E19-4CFF70573414}" destId="{EA2C49AA-4771-4FD8-9507-46550321F430}" srcOrd="0" destOrd="0" presId="urn:microsoft.com/office/officeart/2005/8/layout/process4"/>
     <dgm:cxn modelId="{E4828366-4903-4A3E-8E4D-CA1B3C15CECC}" srcId="{FC93F95D-95F3-4640-9DE8-874282C2AD13}" destId="{F56D132D-D5E1-430E-8E0C-7979C2A20567}" srcOrd="0" destOrd="0" parTransId="{BF258ADF-7C7D-4CBE-B4B6-1102A4256102}" sibTransId="{B18C568A-839B-45E5-96F5-49D522C8A6DD}"/>
-    <dgm:cxn modelId="{05C7A129-30CC-4C24-BC7E-FEFB0ABF01B6}" srcId="{633E1E5F-0172-4A80-9E19-4CFF70573414}" destId="{D329A21F-5B05-441B-A293-DD936CD68C4C}" srcOrd="1" destOrd="0" parTransId="{6B08758D-F661-4BFC-A592-ACCFDB6BEF5A}" sibTransId="{CB0B3C99-58D5-4EC8-ABC2-97C37273E8F4}"/>
-    <dgm:cxn modelId="{69127F41-A977-44B5-B9C2-E4967577320D}" srcId="{7CFECE8E-DEE4-44CA-91C8-7311F4F88627}" destId="{651BE6F0-62B4-4DFE-AF27-7648CCA0757F}" srcOrd="0" destOrd="0" parTransId="{1B4B0C88-35EB-4901-9CC9-A6EFF84EEA96}" sibTransId="{300DC2A4-DBF2-474F-8C47-8754A0E2D777}"/>
-    <dgm:cxn modelId="{C6A8E8F4-FD7E-4ECB-BCE6-76FF8C3D9DA7}" type="presOf" srcId="{C6E900AE-A4DB-46FF-A609-BFBDAB04C869}" destId="{70F18126-A2EF-4AC9-AD76-619F9DC27158}" srcOrd="1" destOrd="0" presId="urn:microsoft.com/office/officeart/2005/8/layout/process4"/>
-    <dgm:cxn modelId="{0CA2A500-E628-4DE6-9986-7F481102D952}" srcId="{FC93F95D-95F3-4640-9DE8-874282C2AD13}" destId="{19B1D4CC-67EA-4081-ABBB-AF688D6DD88B}" srcOrd="1" destOrd="0" parTransId="{76CF4118-1BBC-43C3-AC66-D9558109C3BB}" sibTransId="{1A7E73EC-EC74-4564-BF35-69EECEC524E9}"/>
-    <dgm:cxn modelId="{1EDEC922-D424-4F32-9382-962AFB4D82A0}" type="presOf" srcId="{633E1E5F-0172-4A80-9E19-4CFF70573414}" destId="{EA2C49AA-4771-4FD8-9507-46550321F430}" srcOrd="0" destOrd="0" presId="urn:microsoft.com/office/officeart/2005/8/layout/process4"/>
-    <dgm:cxn modelId="{A5F6AB68-AD8A-430F-B67C-0AD3F8A26FF4}" type="presOf" srcId="{8F48E21C-1D18-4635-BE22-97345F92B0D0}" destId="{722CF014-DD59-445D-9A81-A137717B5A98}" srcOrd="0" destOrd="0" presId="urn:microsoft.com/office/officeart/2005/8/layout/process4"/>
-    <dgm:cxn modelId="{55153D9B-70A5-4640-948C-B313511820EB}" type="presOf" srcId="{EAECA495-BAAA-4204-ADA5-C93B46789FB0}" destId="{E55CF4B1-C23C-45BE-8ABC-65E4F67AFEF1}" srcOrd="0" destOrd="0" presId="urn:microsoft.com/office/officeart/2005/8/layout/process4"/>
-    <dgm:cxn modelId="{DFADAC8A-55D1-4DCC-97B6-3948FA85A985}" srcId="{633E1E5F-0172-4A80-9E19-4CFF70573414}" destId="{0335E067-9CD3-49BE-B907-33F7865C37E9}" srcOrd="0" destOrd="0" parTransId="{2F92D4EF-D18B-4321-9B3B-B53652EFDA5D}" sibTransId="{27C2B774-2BBA-4E07-9D4F-821811453265}"/>
-    <dgm:cxn modelId="{A40AC6AA-4089-47D1-B875-74506F90E761}" type="presOf" srcId="{651BE6F0-62B4-4DFE-AF27-7648CCA0757F}" destId="{2DE7C2FC-44DD-4B6C-A362-402554938119}" srcOrd="0" destOrd="0" presId="urn:microsoft.com/office/officeart/2005/8/layout/process4"/>
-    <dgm:cxn modelId="{D7A9CB33-BB06-486C-8CBC-0542BCC263E0}" type="presOf" srcId="{C6E900AE-A4DB-46FF-A609-BFBDAB04C869}" destId="{AA18977A-0E75-440D-B10A-D43E597099C9}" srcOrd="0" destOrd="0" presId="urn:microsoft.com/office/officeart/2005/8/layout/process4"/>
-    <dgm:cxn modelId="{E857BC19-234A-47BE-957F-894EF4BC91EE}" srcId="{08369A22-CB0E-4701-913E-81E19038557F}" destId="{FC93F95D-95F3-4640-9DE8-874282C2AD13}" srcOrd="3" destOrd="0" parTransId="{065D0FD4-1EC7-4C97-AB8D-E80CE5F7D659}" sibTransId="{83B18B4F-02C2-48D5-AEBF-C971EDE64271}"/>
-    <dgm:cxn modelId="{960AA45C-30F3-4762-9E7B-DE0A18DF0729}" srcId="{08369A22-CB0E-4701-913E-81E19038557F}" destId="{C6E900AE-A4DB-46FF-A609-BFBDAB04C869}" srcOrd="4" destOrd="0" parTransId="{929EDFC1-CEF7-459E-88D1-A4B8875D1377}" sibTransId="{E8C0D2F5-8AD7-4D4B-9E2F-FEE186D0E991}"/>
-    <dgm:cxn modelId="{E81E167C-E872-42C0-B231-6831C774D9C3}" srcId="{08369A22-CB0E-4701-913E-81E19038557F}" destId="{65EC7577-A9B4-4FA2-92A0-C56472D041A3}" srcOrd="0" destOrd="0" parTransId="{3F2902E2-3A3D-453B-BFB8-4677694C558D}" sibTransId="{CD233A0A-5205-4652-B560-640AD8B89929}"/>
-    <dgm:cxn modelId="{3EBAFE87-7B00-471A-8F16-C8003AF24870}" srcId="{65EC7577-A9B4-4FA2-92A0-C56472D041A3}" destId="{8F48E21C-1D18-4635-BE22-97345F92B0D0}" srcOrd="1" destOrd="0" parTransId="{F2F55DF7-FD06-4F39-B27C-C819AC7E3A8E}" sibTransId="{A8EE732F-8A87-4411-B66A-FD52E7C66DB5}"/>
-    <dgm:cxn modelId="{9C776442-6556-4682-8646-09D84E9A195E}" srcId="{08369A22-CB0E-4701-913E-81E19038557F}" destId="{633E1E5F-0172-4A80-9E19-4CFF70573414}" srcOrd="1" destOrd="0" parTransId="{9CB2AF3D-6DE4-4BA9-A4DE-0FAECFCCAF63}" sibTransId="{9E3C0CBA-80A2-40B8-A078-255FC0B12BD8}"/>
-    <dgm:cxn modelId="{EA34A255-EF94-41D5-88D6-4526F6E4AD46}" type="presOf" srcId="{08369A22-CB0E-4701-913E-81E19038557F}" destId="{CFAC1A0C-1DEF-402F-BC30-5881F338B33E}" srcOrd="0" destOrd="0" presId="urn:microsoft.com/office/officeart/2005/8/layout/process4"/>
     <dgm:cxn modelId="{E6D07B6A-B5B4-4416-9C82-0EC87A3CF539}" type="presOf" srcId="{633E1E5F-0172-4A80-9E19-4CFF70573414}" destId="{25ECF027-96AB-4463-ABEA-8E22B29C0505}" srcOrd="1" destOrd="0" presId="urn:microsoft.com/office/officeart/2005/8/layout/process4"/>
-    <dgm:cxn modelId="{11D7F8E7-0E3A-403F-AAC7-B1892F324A64}" type="presOf" srcId="{D329A21F-5B05-441B-A293-DD936CD68C4C}" destId="{925BA9E8-D107-4DE6-914E-B563DB9E02E4}" srcOrd="0" destOrd="0" presId="urn:microsoft.com/office/officeart/2005/8/layout/process4"/>
     <dgm:cxn modelId="{BFCEFF48-CCD7-4AB2-82FB-A976C20062B1}" type="presParOf" srcId="{CFAC1A0C-1DEF-402F-BC30-5881F338B33E}" destId="{EC78DE5E-EEE3-4FBE-B6C6-7E82FDD0638E}" srcOrd="0" destOrd="0" presId="urn:microsoft.com/office/officeart/2005/8/layout/process4"/>
     <dgm:cxn modelId="{DA9D03E8-FFFA-469E-9DFA-0B859437FBC1}" type="presParOf" srcId="{EC78DE5E-EEE3-4FBE-B6C6-7E82FDD0638E}" destId="{AA18977A-0E75-440D-B10A-D43E597099C9}" srcOrd="0" destOrd="0" presId="urn:microsoft.com/office/officeart/2005/8/layout/process4"/>
     <dgm:cxn modelId="{60EC19AB-D882-448D-9EDF-9DEDC81CDEEE}" type="presParOf" srcId="{EC78DE5E-EEE3-4FBE-B6C6-7E82FDD0638E}" destId="{70F18126-A2EF-4AC9-AD76-619F9DC27158}" srcOrd="1" destOrd="0" presId="urn:microsoft.com/office/officeart/2005/8/layout/process4"/>
@@ -10332,6 +10419,1546 @@
 </p:sld>
 </file>
 
+<file path=ppt/slides/slide10.xml><?xml version="1.0" encoding="utf-8"?>
+<p:sld xmlns:a="http://schemas.openxmlformats.org/drawingml/2006/main" xmlns:r="http://schemas.openxmlformats.org/officeDocument/2006/relationships" xmlns:p="http://schemas.openxmlformats.org/presentationml/2006/main">
+  <p:cSld>
+    <p:spTree>
+      <p:nvGrpSpPr>
+        <p:cNvPr id="1" name=""/>
+        <p:cNvGrpSpPr/>
+        <p:nvPr/>
+      </p:nvGrpSpPr>
+      <p:grpSpPr>
+        <a:xfrm>
+          <a:off x="0" y="0"/>
+          <a:ext cx="0" cy="0"/>
+          <a:chOff x="0" y="0"/>
+          <a:chExt cx="0" cy="0"/>
+        </a:xfrm>
+      </p:grpSpPr>
+      <p:sp>
+        <p:nvSpPr>
+          <p:cNvPr id="2" name="Title 1"/>
+          <p:cNvSpPr>
+            <a:spLocks noGrp="1"/>
+          </p:cNvSpPr>
+          <p:nvPr>
+            <p:ph type="title"/>
+          </p:nvPr>
+        </p:nvSpPr>
+        <p:spPr/>
+        <p:txBody>
+          <a:bodyPr/>
+          <a:lstStyle/>
+          <a:p>
+            <a:r>
+              <a:rPr lang="en-US" dirty="0" smtClean="0"/>
+              <a:t>Defaults By Grade &amp; Sub Grade</a:t>
+            </a:r>
+            <a:endParaRPr lang="en-US" dirty="0"/>
+          </a:p>
+        </p:txBody>
+      </p:sp>
+      <p:sp>
+        <p:nvSpPr>
+          <p:cNvPr id="3" name="Content Placeholder 2"/>
+          <p:cNvSpPr>
+            <a:spLocks noGrp="1"/>
+          </p:cNvSpPr>
+          <p:nvPr>
+            <p:ph idx="1"/>
+          </p:nvPr>
+        </p:nvSpPr>
+        <p:spPr>
+          <a:xfrm>
+            <a:off x="1103312" y="1380744"/>
+            <a:ext cx="10482136" cy="4867655"/>
+          </a:xfrm>
+        </p:spPr>
+        <p:txBody>
+          <a:bodyPr/>
+          <a:lstStyle/>
+          <a:p>
+            <a:r>
+              <a:rPr lang="en-US" dirty="0" smtClean="0"/>
+              <a:t>The higher default rate for the lower sub grade. The sub grading system is also working fine.</a:t>
+            </a:r>
+          </a:p>
+          <a:p>
+            <a:pPr marL="0" indent="0">
+              <a:buNone/>
+            </a:pPr>
+            <a:endParaRPr lang="en-US" dirty="0"/>
+          </a:p>
+        </p:txBody>
+      </p:sp>
+      <p:pic>
+        <p:nvPicPr>
+          <p:cNvPr id="4" name="Picture 3"/>
+          <p:cNvPicPr>
+            <a:picLocks noChangeAspect="1"/>
+          </p:cNvPicPr>
+          <p:nvPr/>
+        </p:nvPicPr>
+        <p:blipFill>
+          <a:blip r:embed="rId2"/>
+          <a:stretch>
+            <a:fillRect/>
+          </a:stretch>
+        </p:blipFill>
+        <p:spPr>
+          <a:xfrm>
+            <a:off x="886968" y="2231136"/>
+            <a:ext cx="10917936" cy="4380895"/>
+          </a:xfrm>
+          <a:prstGeom prst="rect">
+            <a:avLst/>
+          </a:prstGeom>
+        </p:spPr>
+      </p:pic>
+    </p:spTree>
+    <p:extLst>
+      <p:ext uri="{BB962C8B-B14F-4D97-AF65-F5344CB8AC3E}">
+        <p14:creationId xmlns:p14="http://schemas.microsoft.com/office/powerpoint/2010/main" val="3039629688"/>
+      </p:ext>
+    </p:extLst>
+  </p:cSld>
+  <p:clrMapOvr>
+    <a:masterClrMapping/>
+  </p:clrMapOvr>
+  <p:timing>
+    <p:tnLst>
+      <p:par>
+        <p:cTn id="1" dur="indefinite" restart="never" nodeType="tmRoot"/>
+      </p:par>
+    </p:tnLst>
+  </p:timing>
+</p:sld>
+</file>
+
+<file path=ppt/slides/slide11.xml><?xml version="1.0" encoding="utf-8"?>
+<p:sld xmlns:a="http://schemas.openxmlformats.org/drawingml/2006/main" xmlns:r="http://schemas.openxmlformats.org/officeDocument/2006/relationships" xmlns:p="http://schemas.openxmlformats.org/presentationml/2006/main">
+  <p:cSld>
+    <p:spTree>
+      <p:nvGrpSpPr>
+        <p:cNvPr id="1" name=""/>
+        <p:cNvGrpSpPr/>
+        <p:nvPr/>
+      </p:nvGrpSpPr>
+      <p:grpSpPr>
+        <a:xfrm>
+          <a:off x="0" y="0"/>
+          <a:ext cx="0" cy="0"/>
+          <a:chOff x="0" y="0"/>
+          <a:chExt cx="0" cy="0"/>
+        </a:xfrm>
+      </p:grpSpPr>
+      <p:sp>
+        <p:nvSpPr>
+          <p:cNvPr id="2" name="Title 1"/>
+          <p:cNvSpPr>
+            <a:spLocks noGrp="1"/>
+          </p:cNvSpPr>
+          <p:nvPr>
+            <p:ph type="title"/>
+          </p:nvPr>
+        </p:nvSpPr>
+        <p:spPr/>
+        <p:txBody>
+          <a:bodyPr/>
+          <a:lstStyle/>
+          <a:p>
+            <a:r>
+              <a:rPr lang="en-US" dirty="0" smtClean="0"/>
+              <a:t>Defaults By Term</a:t>
+            </a:r>
+            <a:endParaRPr lang="en-US" dirty="0"/>
+          </a:p>
+        </p:txBody>
+      </p:sp>
+      <p:sp>
+        <p:nvSpPr>
+          <p:cNvPr id="3" name="Content Placeholder 2"/>
+          <p:cNvSpPr>
+            <a:spLocks noGrp="1"/>
+          </p:cNvSpPr>
+          <p:nvPr>
+            <p:ph idx="1"/>
+          </p:nvPr>
+        </p:nvSpPr>
+        <p:spPr>
+          <a:xfrm>
+            <a:off x="1103312" y="1536192"/>
+            <a:ext cx="8946541" cy="4712207"/>
+          </a:xfrm>
+        </p:spPr>
+        <p:txBody>
+          <a:bodyPr/>
+          <a:lstStyle/>
+          <a:p>
+            <a:r>
+              <a:rPr lang="en-US" dirty="0" smtClean="0"/>
+              <a:t>The long term loans are more likely to get defaulted. The chances are more than double for the 60 months loans. So, Lending club should focus on giving short term loans.</a:t>
+            </a:r>
+          </a:p>
+          <a:p>
+            <a:endParaRPr lang="en-US" dirty="0"/>
+          </a:p>
+          <a:p>
+            <a:pPr marL="0" indent="0">
+              <a:buNone/>
+            </a:pPr>
+            <a:endParaRPr lang="en-US" dirty="0" smtClean="0"/>
+          </a:p>
+          <a:p>
+            <a:pPr marL="0" indent="0">
+              <a:buNone/>
+            </a:pPr>
+            <a:endParaRPr lang="en-US" dirty="0" smtClean="0"/>
+          </a:p>
+          <a:p>
+            <a:endParaRPr lang="en-US" dirty="0"/>
+          </a:p>
+          <a:p>
+            <a:pPr marL="0" indent="0">
+              <a:buNone/>
+            </a:pPr>
+            <a:endParaRPr lang="en-US" dirty="0"/>
+          </a:p>
+        </p:txBody>
+      </p:sp>
+      <p:pic>
+        <p:nvPicPr>
+          <p:cNvPr id="4" name="Picture 3"/>
+          <p:cNvPicPr>
+            <a:picLocks noChangeAspect="1"/>
+          </p:cNvPicPr>
+          <p:nvPr/>
+        </p:nvPicPr>
+        <p:blipFill>
+          <a:blip r:embed="rId2"/>
+          <a:stretch>
+            <a:fillRect/>
+          </a:stretch>
+        </p:blipFill>
+        <p:spPr>
+          <a:xfrm>
+            <a:off x="2260282" y="2819399"/>
+            <a:ext cx="6391275" cy="3429000"/>
+          </a:xfrm>
+          <a:prstGeom prst="rect">
+            <a:avLst/>
+          </a:prstGeom>
+        </p:spPr>
+      </p:pic>
+    </p:spTree>
+    <p:extLst>
+      <p:ext uri="{BB962C8B-B14F-4D97-AF65-F5344CB8AC3E}">
+        <p14:creationId xmlns:p14="http://schemas.microsoft.com/office/powerpoint/2010/main" val="368655870"/>
+      </p:ext>
+    </p:extLst>
+  </p:cSld>
+  <p:clrMapOvr>
+    <a:masterClrMapping/>
+  </p:clrMapOvr>
+  <p:timing>
+    <p:tnLst>
+      <p:par>
+        <p:cTn id="1" dur="indefinite" restart="never" nodeType="tmRoot"/>
+      </p:par>
+    </p:tnLst>
+  </p:timing>
+</p:sld>
+</file>
+
+<file path=ppt/slides/slide12.xml><?xml version="1.0" encoding="utf-8"?>
+<p:sld xmlns:a="http://schemas.openxmlformats.org/drawingml/2006/main" xmlns:r="http://schemas.openxmlformats.org/officeDocument/2006/relationships" xmlns:p="http://schemas.openxmlformats.org/presentationml/2006/main">
+  <p:cSld>
+    <p:spTree>
+      <p:nvGrpSpPr>
+        <p:cNvPr id="1" name=""/>
+        <p:cNvGrpSpPr/>
+        <p:nvPr/>
+      </p:nvGrpSpPr>
+      <p:grpSpPr>
+        <a:xfrm>
+          <a:off x="0" y="0"/>
+          <a:ext cx="0" cy="0"/>
+          <a:chOff x="0" y="0"/>
+          <a:chExt cx="0" cy="0"/>
+        </a:xfrm>
+      </p:grpSpPr>
+      <p:sp>
+        <p:nvSpPr>
+          <p:cNvPr id="2" name="Title 1"/>
+          <p:cNvSpPr>
+            <a:spLocks noGrp="1"/>
+          </p:cNvSpPr>
+          <p:nvPr>
+            <p:ph type="title"/>
+          </p:nvPr>
+        </p:nvSpPr>
+        <p:spPr/>
+        <p:txBody>
+          <a:bodyPr/>
+          <a:lstStyle/>
+          <a:p>
+            <a:r>
+              <a:rPr lang="en-US" dirty="0" smtClean="0"/>
+              <a:t>Defaults By Verification</a:t>
+            </a:r>
+            <a:endParaRPr lang="en-US" dirty="0"/>
+          </a:p>
+        </p:txBody>
+      </p:sp>
+      <p:sp>
+        <p:nvSpPr>
+          <p:cNvPr id="3" name="Content Placeholder 2"/>
+          <p:cNvSpPr>
+            <a:spLocks noGrp="1"/>
+          </p:cNvSpPr>
+          <p:nvPr>
+            <p:ph idx="1"/>
+          </p:nvPr>
+        </p:nvSpPr>
+        <p:spPr>
+          <a:xfrm>
+            <a:off x="1103312" y="1563625"/>
+            <a:ext cx="8946541" cy="2798064"/>
+          </a:xfrm>
+        </p:spPr>
+        <p:txBody>
+          <a:bodyPr/>
+          <a:lstStyle/>
+          <a:p>
+            <a:r>
+              <a:rPr lang="en-US" dirty="0" smtClean="0"/>
+              <a:t>Most loan defaults happen for the verified loans. The verification system needs to be improved.</a:t>
+            </a:r>
+          </a:p>
+          <a:p>
+            <a:pPr marL="0" indent="0">
+              <a:buNone/>
+            </a:pPr>
+            <a:endParaRPr lang="en-US" dirty="0"/>
+          </a:p>
+        </p:txBody>
+      </p:sp>
+      <p:pic>
+        <p:nvPicPr>
+          <p:cNvPr id="4" name="Picture 3"/>
+          <p:cNvPicPr>
+            <a:picLocks noChangeAspect="1"/>
+          </p:cNvPicPr>
+          <p:nvPr/>
+        </p:nvPicPr>
+        <p:blipFill>
+          <a:blip r:embed="rId2"/>
+          <a:stretch>
+            <a:fillRect/>
+          </a:stretch>
+        </p:blipFill>
+        <p:spPr>
+          <a:xfrm>
+            <a:off x="2233797" y="2560345"/>
+            <a:ext cx="6229350" cy="3467100"/>
+          </a:xfrm>
+          <a:prstGeom prst="rect">
+            <a:avLst/>
+          </a:prstGeom>
+        </p:spPr>
+      </p:pic>
+    </p:spTree>
+    <p:extLst>
+      <p:ext uri="{BB962C8B-B14F-4D97-AF65-F5344CB8AC3E}">
+        <p14:creationId xmlns:p14="http://schemas.microsoft.com/office/powerpoint/2010/main" val="1703729272"/>
+      </p:ext>
+    </p:extLst>
+  </p:cSld>
+  <p:clrMapOvr>
+    <a:masterClrMapping/>
+  </p:clrMapOvr>
+  <p:timing>
+    <p:tnLst>
+      <p:par>
+        <p:cTn id="1" dur="indefinite" restart="never" nodeType="tmRoot"/>
+      </p:par>
+    </p:tnLst>
+  </p:timing>
+</p:sld>
+</file>
+
+<file path=ppt/slides/slide13.xml><?xml version="1.0" encoding="utf-8"?>
+<p:sld xmlns:a="http://schemas.openxmlformats.org/drawingml/2006/main" xmlns:r="http://schemas.openxmlformats.org/officeDocument/2006/relationships" xmlns:p="http://schemas.openxmlformats.org/presentationml/2006/main">
+  <p:cSld>
+    <p:spTree>
+      <p:nvGrpSpPr>
+        <p:cNvPr id="1" name=""/>
+        <p:cNvGrpSpPr/>
+        <p:nvPr/>
+      </p:nvGrpSpPr>
+      <p:grpSpPr>
+        <a:xfrm>
+          <a:off x="0" y="0"/>
+          <a:ext cx="0" cy="0"/>
+          <a:chOff x="0" y="0"/>
+          <a:chExt cx="0" cy="0"/>
+        </a:xfrm>
+      </p:grpSpPr>
+      <p:sp>
+        <p:nvSpPr>
+          <p:cNvPr id="2" name="Title 1"/>
+          <p:cNvSpPr>
+            <a:spLocks noGrp="1"/>
+          </p:cNvSpPr>
+          <p:nvPr>
+            <p:ph type="title"/>
+          </p:nvPr>
+        </p:nvSpPr>
+        <p:spPr/>
+        <p:txBody>
+          <a:bodyPr/>
+          <a:lstStyle/>
+          <a:p>
+            <a:r>
+              <a:rPr lang="en-US" dirty="0" smtClean="0"/>
+              <a:t>Defaults By Loan Year</a:t>
+            </a:r>
+            <a:endParaRPr lang="en-US" dirty="0"/>
+          </a:p>
+        </p:txBody>
+      </p:sp>
+      <p:sp>
+        <p:nvSpPr>
+          <p:cNvPr id="3" name="Content Placeholder 2"/>
+          <p:cNvSpPr>
+            <a:spLocks noGrp="1"/>
+          </p:cNvSpPr>
+          <p:nvPr>
+            <p:ph idx="1"/>
+          </p:nvPr>
+        </p:nvSpPr>
+        <p:spPr>
+          <a:xfrm>
+            <a:off x="1103312" y="1380744"/>
+            <a:ext cx="8946541" cy="4867655"/>
+          </a:xfrm>
+        </p:spPr>
+        <p:txBody>
+          <a:bodyPr/>
+          <a:lstStyle/>
+          <a:p>
+            <a:r>
+              <a:rPr lang="en-US" dirty="0" smtClean="0"/>
+              <a:t>Most bad loans get approved in 2007.</a:t>
+            </a:r>
+          </a:p>
+          <a:p>
+            <a:r>
+              <a:rPr lang="en-US" dirty="0"/>
+              <a:t>he default loans were decreasing from </a:t>
+            </a:r>
+            <a:r>
+              <a:rPr lang="en-US" dirty="0" smtClean="0"/>
+              <a:t>2008 </a:t>
+            </a:r>
+            <a:r>
+              <a:rPr lang="en-US" dirty="0"/>
+              <a:t>to </a:t>
+            </a:r>
+            <a:r>
+              <a:rPr lang="en-US" dirty="0" smtClean="0"/>
+              <a:t>2010. </a:t>
+            </a:r>
+            <a:r>
+              <a:rPr lang="en-US" dirty="0"/>
+              <a:t>However there is an increase in the year </a:t>
+            </a:r>
+            <a:r>
+              <a:rPr lang="en-US" dirty="0" smtClean="0"/>
+              <a:t>2011.</a:t>
+            </a:r>
+          </a:p>
+          <a:p>
+            <a:pPr marL="0" indent="0">
+              <a:buNone/>
+            </a:pPr>
+            <a:r>
+              <a:rPr lang="en-US" dirty="0"/>
+              <a:t> </a:t>
+            </a:r>
+            <a:r>
+              <a:rPr lang="en-US" dirty="0" smtClean="0"/>
+              <a:t>    </a:t>
+            </a:r>
+            <a:endParaRPr lang="en-US" dirty="0"/>
+          </a:p>
+        </p:txBody>
+      </p:sp>
+      <p:pic>
+        <p:nvPicPr>
+          <p:cNvPr id="4" name="Picture 3"/>
+          <p:cNvPicPr>
+            <a:picLocks noChangeAspect="1"/>
+          </p:cNvPicPr>
+          <p:nvPr/>
+        </p:nvPicPr>
+        <p:blipFill>
+          <a:blip r:embed="rId2"/>
+          <a:stretch>
+            <a:fillRect/>
+          </a:stretch>
+        </p:blipFill>
+        <p:spPr>
+          <a:xfrm>
+            <a:off x="2022348" y="2724149"/>
+            <a:ext cx="7543800" cy="3524250"/>
+          </a:xfrm>
+          <a:prstGeom prst="rect">
+            <a:avLst/>
+          </a:prstGeom>
+        </p:spPr>
+      </p:pic>
+    </p:spTree>
+    <p:extLst>
+      <p:ext uri="{BB962C8B-B14F-4D97-AF65-F5344CB8AC3E}">
+        <p14:creationId xmlns:p14="http://schemas.microsoft.com/office/powerpoint/2010/main" val="1215385330"/>
+      </p:ext>
+    </p:extLst>
+  </p:cSld>
+  <p:clrMapOvr>
+    <a:masterClrMapping/>
+  </p:clrMapOvr>
+  <p:timing>
+    <p:tnLst>
+      <p:par>
+        <p:cTn id="1" dur="indefinite" restart="never" nodeType="tmRoot"/>
+      </p:par>
+    </p:tnLst>
+  </p:timing>
+</p:sld>
+</file>
+
+<file path=ppt/slides/slide14.xml><?xml version="1.0" encoding="utf-8"?>
+<p:sld xmlns:a="http://schemas.openxmlformats.org/drawingml/2006/main" xmlns:r="http://schemas.openxmlformats.org/officeDocument/2006/relationships" xmlns:p="http://schemas.openxmlformats.org/presentationml/2006/main">
+  <p:cSld>
+    <p:spTree>
+      <p:nvGrpSpPr>
+        <p:cNvPr id="1" name=""/>
+        <p:cNvGrpSpPr/>
+        <p:nvPr/>
+      </p:nvGrpSpPr>
+      <p:grpSpPr>
+        <a:xfrm>
+          <a:off x="0" y="0"/>
+          <a:ext cx="0" cy="0"/>
+          <a:chOff x="0" y="0"/>
+          <a:chExt cx="0" cy="0"/>
+        </a:xfrm>
+      </p:grpSpPr>
+      <p:sp>
+        <p:nvSpPr>
+          <p:cNvPr id="2" name="Title 1"/>
+          <p:cNvSpPr>
+            <a:spLocks noGrp="1"/>
+          </p:cNvSpPr>
+          <p:nvPr>
+            <p:ph type="title"/>
+          </p:nvPr>
+        </p:nvSpPr>
+        <p:spPr/>
+        <p:txBody>
+          <a:bodyPr/>
+          <a:lstStyle/>
+          <a:p>
+            <a:r>
+              <a:rPr lang="en-US" dirty="0" smtClean="0"/>
+              <a:t>Defaults By Interest Rate</a:t>
+            </a:r>
+            <a:endParaRPr lang="en-US" dirty="0"/>
+          </a:p>
+        </p:txBody>
+      </p:sp>
+      <p:sp>
+        <p:nvSpPr>
+          <p:cNvPr id="3" name="Content Placeholder 2"/>
+          <p:cNvSpPr>
+            <a:spLocks noGrp="1"/>
+          </p:cNvSpPr>
+          <p:nvPr>
+            <p:ph idx="1"/>
+          </p:nvPr>
+        </p:nvSpPr>
+        <p:spPr/>
+        <p:txBody>
+          <a:bodyPr/>
+          <a:lstStyle/>
+          <a:p>
+            <a:r>
+              <a:rPr lang="en-US" dirty="0"/>
+              <a:t>Percentage of Defaults increases monotonically with </a:t>
+            </a:r>
+            <a:r>
+              <a:rPr lang="en-US" dirty="0" smtClean="0"/>
+              <a:t>higher interest </a:t>
+            </a:r>
+            <a:r>
+              <a:rPr lang="en-US" dirty="0"/>
+              <a:t>rates. At rates of 19% and above, more than 33% </a:t>
+            </a:r>
+            <a:r>
+              <a:rPr lang="en-US" dirty="0" smtClean="0"/>
+              <a:t>of loans </a:t>
+            </a:r>
+            <a:r>
+              <a:rPr lang="en-US" dirty="0"/>
+              <a:t>are Charged Off</a:t>
+            </a:r>
+            <a:r>
+              <a:rPr lang="en-US" dirty="0" smtClean="0"/>
+              <a:t>.</a:t>
+            </a:r>
+          </a:p>
+          <a:p>
+            <a:pPr marL="0" indent="0">
+              <a:buNone/>
+            </a:pPr>
+            <a:endParaRPr lang="en-US" dirty="0"/>
+          </a:p>
+          <a:p>
+            <a:pPr marL="0" indent="0">
+              <a:buNone/>
+            </a:pPr>
+            <a:endParaRPr lang="en-US" dirty="0"/>
+          </a:p>
+        </p:txBody>
+      </p:sp>
+      <p:pic>
+        <p:nvPicPr>
+          <p:cNvPr id="4" name="Picture 3"/>
+          <p:cNvPicPr>
+            <a:picLocks noChangeAspect="1"/>
+          </p:cNvPicPr>
+          <p:nvPr/>
+        </p:nvPicPr>
+        <p:blipFill>
+          <a:blip r:embed="rId2"/>
+          <a:stretch>
+            <a:fillRect/>
+          </a:stretch>
+        </p:blipFill>
+        <p:spPr>
+          <a:xfrm>
+            <a:off x="1545336" y="3165599"/>
+            <a:ext cx="8915400" cy="3427225"/>
+          </a:xfrm>
+          <a:prstGeom prst="rect">
+            <a:avLst/>
+          </a:prstGeom>
+        </p:spPr>
+      </p:pic>
+    </p:spTree>
+    <p:extLst>
+      <p:ext uri="{BB962C8B-B14F-4D97-AF65-F5344CB8AC3E}">
+        <p14:creationId xmlns:p14="http://schemas.microsoft.com/office/powerpoint/2010/main" val="2041756504"/>
+      </p:ext>
+    </p:extLst>
+  </p:cSld>
+  <p:clrMapOvr>
+    <a:masterClrMapping/>
+  </p:clrMapOvr>
+  <p:timing>
+    <p:tnLst>
+      <p:par>
+        <p:cTn id="1" dur="indefinite" restart="never" nodeType="tmRoot"/>
+      </p:par>
+    </p:tnLst>
+  </p:timing>
+</p:sld>
+</file>
+
+<file path=ppt/slides/slide15.xml><?xml version="1.0" encoding="utf-8"?>
+<p:sld xmlns:a="http://schemas.openxmlformats.org/drawingml/2006/main" xmlns:r="http://schemas.openxmlformats.org/officeDocument/2006/relationships" xmlns:p="http://schemas.openxmlformats.org/presentationml/2006/main">
+  <p:cSld>
+    <p:spTree>
+      <p:nvGrpSpPr>
+        <p:cNvPr id="1" name=""/>
+        <p:cNvGrpSpPr/>
+        <p:nvPr/>
+      </p:nvGrpSpPr>
+      <p:grpSpPr>
+        <a:xfrm>
+          <a:off x="0" y="0"/>
+          <a:ext cx="0" cy="0"/>
+          <a:chOff x="0" y="0"/>
+          <a:chExt cx="0" cy="0"/>
+        </a:xfrm>
+      </p:grpSpPr>
+      <p:sp>
+        <p:nvSpPr>
+          <p:cNvPr id="2" name="Title 1"/>
+          <p:cNvSpPr>
+            <a:spLocks noGrp="1"/>
+          </p:cNvSpPr>
+          <p:nvPr>
+            <p:ph type="title"/>
+          </p:nvPr>
+        </p:nvSpPr>
+        <p:spPr/>
+        <p:txBody>
+          <a:bodyPr/>
+          <a:lstStyle/>
+          <a:p>
+            <a:r>
+              <a:rPr lang="en-US" dirty="0" smtClean="0"/>
+              <a:t>Defaults By Borrower’s Income</a:t>
+            </a:r>
+            <a:endParaRPr lang="en-US" dirty="0"/>
+          </a:p>
+        </p:txBody>
+      </p:sp>
+      <p:sp>
+        <p:nvSpPr>
+          <p:cNvPr id="3" name="Content Placeholder 2"/>
+          <p:cNvSpPr>
+            <a:spLocks noGrp="1"/>
+          </p:cNvSpPr>
+          <p:nvPr>
+            <p:ph idx="1"/>
+          </p:nvPr>
+        </p:nvSpPr>
+        <p:spPr/>
+        <p:txBody>
+          <a:bodyPr/>
+          <a:lstStyle/>
+          <a:p>
+            <a:r>
+              <a:rPr lang="en-US" dirty="0"/>
+              <a:t>Borrowers having annual income less than 20000 default on their loans at much higher rates.</a:t>
+            </a:r>
+          </a:p>
+          <a:p>
+            <a:r>
+              <a:rPr lang="en-US" dirty="0"/>
+              <a:t>Loan default decreases with higher annual income</a:t>
+            </a:r>
+            <a:r>
+              <a:rPr lang="en-US" dirty="0" smtClean="0"/>
+              <a:t>.</a:t>
+            </a:r>
+          </a:p>
+          <a:p>
+            <a:pPr marL="0" indent="0">
+              <a:buNone/>
+            </a:pPr>
+            <a:endParaRPr lang="en-US" dirty="0"/>
+          </a:p>
+        </p:txBody>
+      </p:sp>
+      <p:pic>
+        <p:nvPicPr>
+          <p:cNvPr id="5" name="Picture 4"/>
+          <p:cNvPicPr>
+            <a:picLocks noChangeAspect="1"/>
+          </p:cNvPicPr>
+          <p:nvPr/>
+        </p:nvPicPr>
+        <p:blipFill>
+          <a:blip r:embed="rId2"/>
+          <a:stretch>
+            <a:fillRect/>
+          </a:stretch>
+        </p:blipFill>
+        <p:spPr>
+          <a:xfrm>
+            <a:off x="2082165" y="3204591"/>
+            <a:ext cx="6838950" cy="3448050"/>
+          </a:xfrm>
+          <a:prstGeom prst="rect">
+            <a:avLst/>
+          </a:prstGeom>
+        </p:spPr>
+      </p:pic>
+    </p:spTree>
+    <p:extLst>
+      <p:ext uri="{BB962C8B-B14F-4D97-AF65-F5344CB8AC3E}">
+        <p14:creationId xmlns:p14="http://schemas.microsoft.com/office/powerpoint/2010/main" val="2638535252"/>
+      </p:ext>
+    </p:extLst>
+  </p:cSld>
+  <p:clrMapOvr>
+    <a:masterClrMapping/>
+  </p:clrMapOvr>
+  <p:timing>
+    <p:tnLst>
+      <p:par>
+        <p:cTn id="1" dur="indefinite" restart="never" nodeType="tmRoot"/>
+      </p:par>
+    </p:tnLst>
+  </p:timing>
+</p:sld>
+</file>
+
+<file path=ppt/slides/slide16.xml><?xml version="1.0" encoding="utf-8"?>
+<p:sld xmlns:a="http://schemas.openxmlformats.org/drawingml/2006/main" xmlns:r="http://schemas.openxmlformats.org/officeDocument/2006/relationships" xmlns:p="http://schemas.openxmlformats.org/presentationml/2006/main">
+  <p:cSld>
+    <p:spTree>
+      <p:nvGrpSpPr>
+        <p:cNvPr id="1" name=""/>
+        <p:cNvGrpSpPr/>
+        <p:nvPr/>
+      </p:nvGrpSpPr>
+      <p:grpSpPr>
+        <a:xfrm>
+          <a:off x="0" y="0"/>
+          <a:ext cx="0" cy="0"/>
+          <a:chOff x="0" y="0"/>
+          <a:chExt cx="0" cy="0"/>
+        </a:xfrm>
+      </p:grpSpPr>
+      <p:sp>
+        <p:nvSpPr>
+          <p:cNvPr id="2" name="Title 1"/>
+          <p:cNvSpPr>
+            <a:spLocks noGrp="1"/>
+          </p:cNvSpPr>
+          <p:nvPr>
+            <p:ph type="title"/>
+          </p:nvPr>
+        </p:nvSpPr>
+        <p:spPr/>
+        <p:txBody>
+          <a:bodyPr/>
+          <a:lstStyle/>
+          <a:p>
+            <a:r>
+              <a:rPr lang="en-US" dirty="0" smtClean="0"/>
+              <a:t>Defaults By Debt to Income Ratio</a:t>
+            </a:r>
+            <a:endParaRPr lang="en-US" dirty="0"/>
+          </a:p>
+        </p:txBody>
+      </p:sp>
+      <p:sp>
+        <p:nvSpPr>
+          <p:cNvPr id="3" name="Content Placeholder 2"/>
+          <p:cNvSpPr>
+            <a:spLocks noGrp="1"/>
+          </p:cNvSpPr>
+          <p:nvPr>
+            <p:ph idx="1"/>
+          </p:nvPr>
+        </p:nvSpPr>
+        <p:spPr>
+          <a:xfrm>
+            <a:off x="1103312" y="1435609"/>
+            <a:ext cx="8946541" cy="3419856"/>
+          </a:xfrm>
+        </p:spPr>
+        <p:txBody>
+          <a:bodyPr/>
+          <a:lstStyle/>
+          <a:p>
+            <a:r>
+              <a:rPr lang="en-US" dirty="0"/>
+              <a:t>Percentage of default rises with </a:t>
+            </a:r>
+            <a:r>
+              <a:rPr lang="en-US" dirty="0" err="1"/>
+              <a:t>dti</a:t>
+            </a:r>
+            <a:r>
+              <a:rPr lang="en-US" dirty="0"/>
+              <a:t> ratio.</a:t>
+            </a:r>
+          </a:p>
+          <a:p>
+            <a:r>
+              <a:rPr lang="en-US" dirty="0"/>
+              <a:t>As the </a:t>
+            </a:r>
+            <a:r>
+              <a:rPr lang="en-US" dirty="0" err="1"/>
+              <a:t>dti</a:t>
+            </a:r>
+            <a:r>
+              <a:rPr lang="en-US" dirty="0"/>
+              <a:t> ratio rises above 20, the loans become risky</a:t>
+            </a:r>
+            <a:r>
+              <a:rPr lang="en-US" dirty="0" smtClean="0"/>
+              <a:t>.</a:t>
+            </a:r>
+          </a:p>
+          <a:p>
+            <a:pPr marL="0" indent="0">
+              <a:buNone/>
+            </a:pPr>
+            <a:endParaRPr lang="en-US" dirty="0"/>
+          </a:p>
+          <a:p>
+            <a:pPr marL="0" indent="0">
+              <a:buNone/>
+            </a:pPr>
+            <a:endParaRPr lang="en-US" dirty="0"/>
+          </a:p>
+        </p:txBody>
+      </p:sp>
+      <p:pic>
+        <p:nvPicPr>
+          <p:cNvPr id="4" name="Picture 3"/>
+          <p:cNvPicPr>
+            <a:picLocks noChangeAspect="1"/>
+          </p:cNvPicPr>
+          <p:nvPr/>
+        </p:nvPicPr>
+        <p:blipFill>
+          <a:blip r:embed="rId2"/>
+          <a:stretch>
+            <a:fillRect/>
+          </a:stretch>
+        </p:blipFill>
+        <p:spPr>
+          <a:xfrm>
+            <a:off x="2385707" y="2557462"/>
+            <a:ext cx="6381750" cy="3571875"/>
+          </a:xfrm>
+          <a:prstGeom prst="rect">
+            <a:avLst/>
+          </a:prstGeom>
+        </p:spPr>
+      </p:pic>
+    </p:spTree>
+    <p:extLst>
+      <p:ext uri="{BB962C8B-B14F-4D97-AF65-F5344CB8AC3E}">
+        <p14:creationId xmlns:p14="http://schemas.microsoft.com/office/powerpoint/2010/main" val="589507785"/>
+      </p:ext>
+    </p:extLst>
+  </p:cSld>
+  <p:clrMapOvr>
+    <a:masterClrMapping/>
+  </p:clrMapOvr>
+  <p:timing>
+    <p:tnLst>
+      <p:par>
+        <p:cTn id="1" dur="indefinite" restart="never" nodeType="tmRoot"/>
+      </p:par>
+    </p:tnLst>
+  </p:timing>
+</p:sld>
+</file>
+
+<file path=ppt/slides/slide17.xml><?xml version="1.0" encoding="utf-8"?>
+<p:sld xmlns:a="http://schemas.openxmlformats.org/drawingml/2006/main" xmlns:r="http://schemas.openxmlformats.org/officeDocument/2006/relationships" xmlns:p="http://schemas.openxmlformats.org/presentationml/2006/main">
+  <p:cSld>
+    <p:spTree>
+      <p:nvGrpSpPr>
+        <p:cNvPr id="1" name=""/>
+        <p:cNvGrpSpPr/>
+        <p:nvPr/>
+      </p:nvGrpSpPr>
+      <p:grpSpPr>
+        <a:xfrm>
+          <a:off x="0" y="0"/>
+          <a:ext cx="0" cy="0"/>
+          <a:chOff x="0" y="0"/>
+          <a:chExt cx="0" cy="0"/>
+        </a:xfrm>
+      </p:grpSpPr>
+      <p:sp>
+        <p:nvSpPr>
+          <p:cNvPr id="2" name="Title 1"/>
+          <p:cNvSpPr>
+            <a:spLocks noGrp="1"/>
+          </p:cNvSpPr>
+          <p:nvPr>
+            <p:ph type="title"/>
+          </p:nvPr>
+        </p:nvSpPr>
+        <p:spPr/>
+        <p:txBody>
+          <a:bodyPr/>
+          <a:lstStyle/>
+          <a:p>
+            <a:r>
+              <a:rPr lang="en-US" dirty="0" smtClean="0"/>
+              <a:t>Defaults By </a:t>
+            </a:r>
+            <a:r>
+              <a:rPr lang="en-US" dirty="0"/>
+              <a:t>Revolving Line </a:t>
+            </a:r>
+            <a:r>
+              <a:rPr lang="en-US" dirty="0" err="1"/>
+              <a:t>Util</a:t>
+            </a:r>
+            <a:r>
+              <a:rPr lang="en-US" dirty="0"/>
+              <a:t> Rate</a:t>
+            </a:r>
+            <a:endParaRPr lang="en-US" dirty="0"/>
+          </a:p>
+        </p:txBody>
+      </p:sp>
+      <p:sp>
+        <p:nvSpPr>
+          <p:cNvPr id="3" name="Content Placeholder 2"/>
+          <p:cNvSpPr>
+            <a:spLocks noGrp="1"/>
+          </p:cNvSpPr>
+          <p:nvPr>
+            <p:ph idx="1"/>
+          </p:nvPr>
+        </p:nvSpPr>
+        <p:spPr>
+          <a:xfrm>
+            <a:off x="1103312" y="1453896"/>
+            <a:ext cx="10162096" cy="4794503"/>
+          </a:xfrm>
+        </p:spPr>
+        <p:txBody>
+          <a:bodyPr/>
+          <a:lstStyle/>
+          <a:p>
+            <a:r>
+              <a:rPr lang="en-US" dirty="0"/>
+              <a:t>People with high utilization of </a:t>
+            </a:r>
+            <a:r>
+              <a:rPr lang="en-US" dirty="0" smtClean="0"/>
+              <a:t>Revolving Line </a:t>
+            </a:r>
+            <a:r>
+              <a:rPr lang="en-US" dirty="0"/>
+              <a:t>of Credit at the time of taking </a:t>
+            </a:r>
+            <a:r>
+              <a:rPr lang="en-US" dirty="0" smtClean="0"/>
+              <a:t>loan default </a:t>
+            </a:r>
+            <a:r>
+              <a:rPr lang="en-US" dirty="0"/>
+              <a:t>more.</a:t>
+            </a:r>
+          </a:p>
+          <a:p>
+            <a:r>
+              <a:rPr lang="en-US" dirty="0"/>
+              <a:t>Loans with utilization &gt; 75% are risky</a:t>
+            </a:r>
+            <a:r>
+              <a:rPr lang="en-US" dirty="0" smtClean="0"/>
+              <a:t>.</a:t>
+            </a:r>
+          </a:p>
+          <a:p>
+            <a:pPr marL="0" indent="0">
+              <a:buNone/>
+            </a:pPr>
+            <a:endParaRPr lang="en-US" dirty="0"/>
+          </a:p>
+          <a:p>
+            <a:pPr marL="0" indent="0">
+              <a:buNone/>
+            </a:pPr>
+            <a:endParaRPr lang="en-US" dirty="0"/>
+          </a:p>
+        </p:txBody>
+      </p:sp>
+      <p:pic>
+        <p:nvPicPr>
+          <p:cNvPr id="4" name="Picture 3"/>
+          <p:cNvPicPr>
+            <a:picLocks noChangeAspect="1"/>
+          </p:cNvPicPr>
+          <p:nvPr/>
+        </p:nvPicPr>
+        <p:blipFill>
+          <a:blip r:embed="rId2"/>
+          <a:stretch>
+            <a:fillRect/>
+          </a:stretch>
+        </p:blipFill>
+        <p:spPr>
+          <a:xfrm>
+            <a:off x="2189416" y="2768727"/>
+            <a:ext cx="7648575" cy="3752850"/>
+          </a:xfrm>
+          <a:prstGeom prst="rect">
+            <a:avLst/>
+          </a:prstGeom>
+        </p:spPr>
+      </p:pic>
+    </p:spTree>
+    <p:extLst>
+      <p:ext uri="{BB962C8B-B14F-4D97-AF65-F5344CB8AC3E}">
+        <p14:creationId xmlns:p14="http://schemas.microsoft.com/office/powerpoint/2010/main" val="3619268940"/>
+      </p:ext>
+    </p:extLst>
+  </p:cSld>
+  <p:clrMapOvr>
+    <a:masterClrMapping/>
+  </p:clrMapOvr>
+</p:sld>
+</file>
+
+<file path=ppt/slides/slide18.xml><?xml version="1.0" encoding="utf-8"?>
+<p:sld xmlns:a="http://schemas.openxmlformats.org/drawingml/2006/main" xmlns:r="http://schemas.openxmlformats.org/officeDocument/2006/relationships" xmlns:p="http://schemas.openxmlformats.org/presentationml/2006/main">
+  <p:cSld>
+    <p:spTree>
+      <p:nvGrpSpPr>
+        <p:cNvPr id="1" name=""/>
+        <p:cNvGrpSpPr/>
+        <p:nvPr/>
+      </p:nvGrpSpPr>
+      <p:grpSpPr>
+        <a:xfrm>
+          <a:off x="0" y="0"/>
+          <a:ext cx="0" cy="0"/>
+          <a:chOff x="0" y="0"/>
+          <a:chExt cx="0" cy="0"/>
+        </a:xfrm>
+      </p:grpSpPr>
+      <p:sp>
+        <p:nvSpPr>
+          <p:cNvPr id="2" name="Title 1"/>
+          <p:cNvSpPr>
+            <a:spLocks noGrp="1"/>
+          </p:cNvSpPr>
+          <p:nvPr>
+            <p:ph type="title"/>
+          </p:nvPr>
+        </p:nvSpPr>
+        <p:spPr/>
+        <p:txBody>
+          <a:bodyPr/>
+          <a:lstStyle/>
+          <a:p>
+            <a:r>
+              <a:rPr lang="en-US" dirty="0" smtClean="0"/>
+              <a:t>Defaults </a:t>
+            </a:r>
+            <a:r>
+              <a:rPr lang="en-US" dirty="0"/>
+              <a:t>by prior bad record</a:t>
+            </a:r>
+            <a:endParaRPr lang="en-US" dirty="0"/>
+          </a:p>
+        </p:txBody>
+      </p:sp>
+      <p:sp>
+        <p:nvSpPr>
+          <p:cNvPr id="4" name="Content Placeholder 3"/>
+          <p:cNvSpPr>
+            <a:spLocks noGrp="1"/>
+          </p:cNvSpPr>
+          <p:nvPr>
+            <p:ph sz="half" idx="2"/>
+          </p:nvPr>
+        </p:nvSpPr>
+        <p:spPr>
+          <a:xfrm>
+            <a:off x="1103312" y="1545336"/>
+            <a:ext cx="4396339" cy="4711002"/>
+          </a:xfrm>
+        </p:spPr>
+        <p:txBody>
+          <a:bodyPr/>
+          <a:lstStyle/>
+          <a:p>
+            <a:r>
+              <a:rPr lang="en-US" dirty="0" smtClean="0"/>
+              <a:t>94</a:t>
+            </a:r>
+            <a:r>
+              <a:rPr lang="en-US" dirty="0"/>
+              <a:t>% have no Public </a:t>
+            </a:r>
+            <a:r>
+              <a:rPr lang="en-US" dirty="0" smtClean="0"/>
+              <a:t>derogatory records</a:t>
+            </a:r>
+            <a:r>
+              <a:rPr lang="en-US" dirty="0"/>
+              <a:t>.</a:t>
+            </a:r>
+          </a:p>
+          <a:p>
+            <a:r>
+              <a:rPr lang="en-US" dirty="0" smtClean="0"/>
+              <a:t> </a:t>
+            </a:r>
+            <a:r>
+              <a:rPr lang="en-US" dirty="0"/>
+              <a:t>Having even 1 derogatory </a:t>
+            </a:r>
+            <a:r>
+              <a:rPr lang="en-US" dirty="0" smtClean="0"/>
+              <a:t>record increases </a:t>
+            </a:r>
+            <a:r>
+              <a:rPr lang="en-US" dirty="0"/>
+              <a:t>the chances of Charge </a:t>
+            </a:r>
+            <a:r>
+              <a:rPr lang="en-US" dirty="0" smtClean="0"/>
+              <a:t>Off significantly</a:t>
+            </a:r>
+            <a:endParaRPr lang="en-US" dirty="0"/>
+          </a:p>
+          <a:p>
+            <a:pPr marL="0" indent="0">
+              <a:buNone/>
+            </a:pPr>
+            <a:endParaRPr lang="en-US" dirty="0" smtClean="0"/>
+          </a:p>
+          <a:p>
+            <a:pPr marL="0" indent="0">
+              <a:buNone/>
+            </a:pPr>
+            <a:endParaRPr lang="en-US" dirty="0"/>
+          </a:p>
+        </p:txBody>
+      </p:sp>
+      <p:sp>
+        <p:nvSpPr>
+          <p:cNvPr id="6" name="Content Placeholder 5"/>
+          <p:cNvSpPr>
+            <a:spLocks noGrp="1"/>
+          </p:cNvSpPr>
+          <p:nvPr>
+            <p:ph sz="quarter" idx="4"/>
+          </p:nvPr>
+        </p:nvSpPr>
+        <p:spPr>
+          <a:xfrm>
+            <a:off x="5654495" y="1545336"/>
+            <a:ext cx="5894377" cy="4711002"/>
+          </a:xfrm>
+        </p:spPr>
+        <p:txBody>
+          <a:bodyPr/>
+          <a:lstStyle/>
+          <a:p>
+            <a:r>
+              <a:rPr lang="en-US" dirty="0"/>
+              <a:t>96% have no bankruptcy record.</a:t>
+            </a:r>
+          </a:p>
+          <a:p>
+            <a:r>
+              <a:rPr lang="en-US" dirty="0" smtClean="0"/>
+              <a:t> </a:t>
+            </a:r>
+            <a:r>
+              <a:rPr lang="en-US" dirty="0"/>
+              <a:t>Having even 1 bankruptcy </a:t>
+            </a:r>
+            <a:r>
+              <a:rPr lang="en-US" dirty="0" smtClean="0"/>
+              <a:t>record increases </a:t>
+            </a:r>
+            <a:r>
+              <a:rPr lang="en-US" dirty="0"/>
+              <a:t>the chances of Charge </a:t>
+            </a:r>
+            <a:r>
+              <a:rPr lang="en-US" dirty="0" smtClean="0"/>
+              <a:t>Off significantly</a:t>
+            </a:r>
+            <a:r>
+              <a:rPr lang="en-US" dirty="0"/>
+              <a:t>.</a:t>
+            </a:r>
+          </a:p>
+          <a:p>
+            <a:r>
+              <a:rPr lang="en-US" dirty="0" smtClean="0"/>
+              <a:t> </a:t>
+            </a:r>
+            <a:r>
+              <a:rPr lang="en-US" dirty="0"/>
+              <a:t>Public Derogatory Record and </a:t>
+            </a:r>
+            <a:r>
+              <a:rPr lang="en-US" dirty="0" smtClean="0"/>
+              <a:t>Public Bankruptcy </a:t>
+            </a:r>
+            <a:r>
+              <a:rPr lang="en-US" dirty="0"/>
+              <a:t>records have </a:t>
+            </a:r>
+            <a:r>
+              <a:rPr lang="en-US" dirty="0" smtClean="0"/>
+              <a:t>83% correlation</a:t>
+            </a:r>
+            <a:r>
+              <a:rPr lang="en-US" dirty="0"/>
+              <a:t>. We can use any one</a:t>
+            </a:r>
+            <a:r>
+              <a:rPr lang="en-US" dirty="0" smtClean="0"/>
+              <a:t>.</a:t>
+            </a:r>
+          </a:p>
+          <a:p>
+            <a:endParaRPr lang="en-US" dirty="0"/>
+          </a:p>
+          <a:p>
+            <a:pPr marL="0" indent="0">
+              <a:buNone/>
+            </a:pPr>
+            <a:endParaRPr lang="en-US" dirty="0"/>
+          </a:p>
+        </p:txBody>
+      </p:sp>
+      <p:pic>
+        <p:nvPicPr>
+          <p:cNvPr id="7" name="Picture 6"/>
+          <p:cNvPicPr>
+            <a:picLocks noChangeAspect="1"/>
+          </p:cNvPicPr>
+          <p:nvPr/>
+        </p:nvPicPr>
+        <p:blipFill>
+          <a:blip r:embed="rId2"/>
+          <a:stretch>
+            <a:fillRect/>
+          </a:stretch>
+        </p:blipFill>
+        <p:spPr>
+          <a:xfrm>
+            <a:off x="723533" y="3584448"/>
+            <a:ext cx="4853540" cy="2801302"/>
+          </a:xfrm>
+          <a:prstGeom prst="rect">
+            <a:avLst/>
+          </a:prstGeom>
+        </p:spPr>
+      </p:pic>
+      <p:pic>
+        <p:nvPicPr>
+          <p:cNvPr id="8" name="Picture 7"/>
+          <p:cNvPicPr>
+            <a:picLocks noChangeAspect="1"/>
+          </p:cNvPicPr>
+          <p:nvPr/>
+        </p:nvPicPr>
+        <p:blipFill>
+          <a:blip r:embed="rId3"/>
+          <a:stretch>
+            <a:fillRect/>
+          </a:stretch>
+        </p:blipFill>
+        <p:spPr>
+          <a:xfrm>
+            <a:off x="5879430" y="3566161"/>
+            <a:ext cx="4855626" cy="2819590"/>
+          </a:xfrm>
+          <a:prstGeom prst="rect">
+            <a:avLst/>
+          </a:prstGeom>
+        </p:spPr>
+      </p:pic>
+    </p:spTree>
+    <p:extLst>
+      <p:ext uri="{BB962C8B-B14F-4D97-AF65-F5344CB8AC3E}">
+        <p14:creationId xmlns:p14="http://schemas.microsoft.com/office/powerpoint/2010/main" val="2680772114"/>
+      </p:ext>
+    </p:extLst>
+  </p:cSld>
+  <p:clrMapOvr>
+    <a:masterClrMapping/>
+  </p:clrMapOvr>
+</p:sld>
+</file>
+
+<file path=ppt/slides/slide19.xml><?xml version="1.0" encoding="utf-8"?>
+<p:sld xmlns:a="http://schemas.openxmlformats.org/drawingml/2006/main" xmlns:r="http://schemas.openxmlformats.org/officeDocument/2006/relationships" xmlns:p="http://schemas.openxmlformats.org/presentationml/2006/main">
+  <p:cSld>
+    <p:spTree>
+      <p:nvGrpSpPr>
+        <p:cNvPr id="1" name=""/>
+        <p:cNvGrpSpPr/>
+        <p:nvPr/>
+      </p:nvGrpSpPr>
+      <p:grpSpPr>
+        <a:xfrm>
+          <a:off x="0" y="0"/>
+          <a:ext cx="0" cy="0"/>
+          <a:chOff x="0" y="0"/>
+          <a:chExt cx="0" cy="0"/>
+        </a:xfrm>
+      </p:grpSpPr>
+      <p:sp>
+        <p:nvSpPr>
+          <p:cNvPr id="2" name="Title 1"/>
+          <p:cNvSpPr>
+            <a:spLocks noGrp="1"/>
+          </p:cNvSpPr>
+          <p:nvPr>
+            <p:ph type="title"/>
+          </p:nvPr>
+        </p:nvSpPr>
+        <p:spPr/>
+        <p:txBody>
+          <a:bodyPr/>
+          <a:lstStyle/>
+          <a:p>
+            <a:r>
+              <a:rPr lang="en-US" dirty="0" smtClean="0"/>
+              <a:t>Recommendation(s)</a:t>
+            </a:r>
+            <a:endParaRPr lang="en-US" dirty="0"/>
+          </a:p>
+        </p:txBody>
+      </p:sp>
+      <p:sp>
+        <p:nvSpPr>
+          <p:cNvPr id="3" name="Content Placeholder 2"/>
+          <p:cNvSpPr>
+            <a:spLocks noGrp="1"/>
+          </p:cNvSpPr>
+          <p:nvPr>
+            <p:ph idx="1"/>
+          </p:nvPr>
+        </p:nvSpPr>
+        <p:spPr/>
+        <p:txBody>
+          <a:bodyPr>
+            <a:normAutofit/>
+          </a:bodyPr>
+          <a:lstStyle/>
+          <a:p>
+            <a:r>
+              <a:rPr lang="en-US" dirty="0" smtClean="0"/>
+              <a:t>Stop </a:t>
+            </a:r>
+            <a:r>
+              <a:rPr lang="en-US" dirty="0"/>
+              <a:t>– approving loans </a:t>
+            </a:r>
+            <a:r>
+              <a:rPr lang="en-US" dirty="0" smtClean="0"/>
+              <a:t>where amount/income </a:t>
+            </a:r>
+            <a:r>
+              <a:rPr lang="en-US" dirty="0"/>
+              <a:t>is higher than 30%</a:t>
+            </a:r>
+          </a:p>
+          <a:p>
+            <a:r>
+              <a:rPr lang="en-US" dirty="0" smtClean="0"/>
+              <a:t>Reduce </a:t>
+            </a:r>
+            <a:r>
+              <a:rPr lang="en-US" dirty="0"/>
+              <a:t>– number of approvals </a:t>
+            </a:r>
+            <a:r>
+              <a:rPr lang="en-US" dirty="0" smtClean="0"/>
+              <a:t>where purpose </a:t>
+            </a:r>
+            <a:r>
+              <a:rPr lang="en-US" dirty="0"/>
+              <a:t>is small business</a:t>
+            </a:r>
+          </a:p>
+          <a:p>
+            <a:r>
+              <a:rPr lang="en-US" dirty="0" smtClean="0"/>
+              <a:t>Stop </a:t>
+            </a:r>
+            <a:r>
+              <a:rPr lang="en-US" dirty="0"/>
+              <a:t>– approving high-value </a:t>
+            </a:r>
+            <a:r>
+              <a:rPr lang="en-US" dirty="0" smtClean="0"/>
+              <a:t>loans when </a:t>
+            </a:r>
+            <a:r>
+              <a:rPr lang="en-US" dirty="0"/>
+              <a:t>revolving line utilization </a:t>
+            </a:r>
+            <a:r>
+              <a:rPr lang="en-US" dirty="0" smtClean="0"/>
+              <a:t>rate greater </a:t>
+            </a:r>
+            <a:r>
+              <a:rPr lang="en-US" dirty="0"/>
+              <a:t>than 75%</a:t>
+            </a:r>
+          </a:p>
+          <a:p>
+            <a:r>
+              <a:rPr lang="en-US" dirty="0" smtClean="0"/>
+              <a:t>Stop </a:t>
+            </a:r>
+            <a:r>
+              <a:rPr lang="en-US" dirty="0"/>
+              <a:t>– approving loans to people </a:t>
+            </a:r>
+            <a:r>
+              <a:rPr lang="en-US" dirty="0" smtClean="0"/>
+              <a:t>with prior </a:t>
+            </a:r>
+            <a:r>
+              <a:rPr lang="en-US" dirty="0"/>
+              <a:t>bad record. Or at least </a:t>
+            </a:r>
+            <a:r>
+              <a:rPr lang="en-US" dirty="0" smtClean="0"/>
+              <a:t>stop approving </a:t>
+            </a:r>
+            <a:r>
+              <a:rPr lang="en-US" dirty="0"/>
+              <a:t>high-value loans</a:t>
+            </a:r>
+          </a:p>
+          <a:p>
+            <a:r>
+              <a:rPr lang="en-US" dirty="0" smtClean="0"/>
+              <a:t>Start </a:t>
+            </a:r>
+            <a:r>
+              <a:rPr lang="en-US" dirty="0"/>
+              <a:t>– charging higher interest </a:t>
+            </a:r>
+            <a:r>
+              <a:rPr lang="en-US" dirty="0" smtClean="0"/>
+              <a:t>rates for </a:t>
+            </a:r>
+            <a:r>
+              <a:rPr lang="en-US" dirty="0"/>
+              <a:t>loans with </a:t>
+            </a:r>
+            <a:r>
+              <a:rPr lang="en-US" dirty="0" err="1"/>
+              <a:t>dti</a:t>
+            </a:r>
+            <a:r>
+              <a:rPr lang="en-US" dirty="0"/>
+              <a:t> greater than 20</a:t>
+            </a:r>
+            <a:endParaRPr lang="en-US" dirty="0"/>
+          </a:p>
+        </p:txBody>
+      </p:sp>
+    </p:spTree>
+    <p:extLst>
+      <p:ext uri="{BB962C8B-B14F-4D97-AF65-F5344CB8AC3E}">
+        <p14:creationId xmlns:p14="http://schemas.microsoft.com/office/powerpoint/2010/main" val="864774726"/>
+      </p:ext>
+    </p:extLst>
+  </p:cSld>
+  <p:clrMapOvr>
+    <a:masterClrMapping/>
+  </p:clrMapOvr>
+</p:sld>
+</file>
+
 <file path=ppt/slides/slide2.xml><?xml version="1.0" encoding="utf-8"?>
 <p:sld xmlns:a="http://schemas.openxmlformats.org/drawingml/2006/main" xmlns:r="http://schemas.openxmlformats.org/officeDocument/2006/relationships" xmlns:p="http://schemas.openxmlformats.org/presentationml/2006/main">
   <p:cSld>
@@ -10426,11 +12053,7 @@
             </a:r>
             <a:r>
               <a:rPr lang="en-US" dirty="0"/>
-              <a:t>an online platform where they are assigned an internal score. Lenders decide </a:t>
-            </a:r>
-            <a:r>
-              <a:rPr lang="en-US" dirty="0"/>
-              <a:t> </a:t>
+              <a:t>an online platform where they are assigned an internal score. Lenders decide  </a:t>
             </a:r>
             <a:r>
               <a:rPr lang="en-US" dirty="0" smtClean="0"/>
@@ -10503,7 +12126,6 @@
               <a:rPr lang="en-US" dirty="0"/>
               <a:t>decision making.</a:t>
             </a:r>
-            <a:endParaRPr lang="en-US" dirty="0"/>
           </a:p>
         </p:txBody>
       </p:sp>
@@ -10527,6 +12149,547 @@
 </p:sld>
 </file>
 
+<file path=ppt/slides/slide20.xml><?xml version="1.0" encoding="utf-8"?>
+<p:sld xmlns:a="http://schemas.openxmlformats.org/drawingml/2006/main" xmlns:r="http://schemas.openxmlformats.org/officeDocument/2006/relationships" xmlns:p="http://schemas.openxmlformats.org/presentationml/2006/main">
+  <p:cSld>
+    <p:spTree>
+      <p:nvGrpSpPr>
+        <p:cNvPr id="1" name=""/>
+        <p:cNvGrpSpPr/>
+        <p:nvPr/>
+      </p:nvGrpSpPr>
+      <p:grpSpPr>
+        <a:xfrm>
+          <a:off x="0" y="0"/>
+          <a:ext cx="0" cy="0"/>
+          <a:chOff x="0" y="0"/>
+          <a:chExt cx="0" cy="0"/>
+        </a:xfrm>
+      </p:grpSpPr>
+      <p:sp>
+        <p:nvSpPr>
+          <p:cNvPr id="2" name="Title 1"/>
+          <p:cNvSpPr>
+            <a:spLocks noGrp="1"/>
+          </p:cNvSpPr>
+          <p:nvPr>
+            <p:ph type="title"/>
+          </p:nvPr>
+        </p:nvSpPr>
+        <p:spPr/>
+        <p:txBody>
+          <a:bodyPr/>
+          <a:lstStyle/>
+          <a:p>
+            <a:r>
+              <a:rPr lang="en-US" dirty="0" smtClean="0"/>
+              <a:t>Appendix - Correlations </a:t>
+            </a:r>
+            <a:endParaRPr lang="en-US" dirty="0"/>
+          </a:p>
+        </p:txBody>
+      </p:sp>
+      <p:sp>
+        <p:nvSpPr>
+          <p:cNvPr id="3" name="Content Placeholder 2"/>
+          <p:cNvSpPr>
+            <a:spLocks noGrp="1"/>
+          </p:cNvSpPr>
+          <p:nvPr>
+            <p:ph idx="1"/>
+          </p:nvPr>
+        </p:nvSpPr>
+        <p:spPr/>
+        <p:txBody>
+          <a:bodyPr/>
+          <a:lstStyle/>
+          <a:p>
+            <a:r>
+              <a:rPr lang="en-US" dirty="0"/>
+              <a:t>Loan Amount is highly correlated (positive) with the installments , interest rates </a:t>
+            </a:r>
+          </a:p>
+          <a:p>
+            <a:r>
+              <a:rPr lang="en-US" dirty="0" smtClean="0"/>
+              <a:t>Debt-to-Income Ratio </a:t>
+            </a:r>
+            <a:r>
+              <a:rPr lang="en-US" dirty="0"/>
+              <a:t>is high correlated (positive) to loan issue year and vice-versa. </a:t>
+            </a:r>
+          </a:p>
+          <a:p>
+            <a:r>
+              <a:rPr lang="en-US" dirty="0" smtClean="0"/>
+              <a:t>Interest rate </a:t>
+            </a:r>
+            <a:r>
+              <a:rPr lang="en-US" dirty="0"/>
+              <a:t>is negatively correlated to </a:t>
+            </a:r>
+            <a:r>
+              <a:rPr lang="en-US" dirty="0" smtClean="0"/>
+              <a:t>total account </a:t>
+            </a:r>
+            <a:endParaRPr lang="en-US" dirty="0"/>
+          </a:p>
+          <a:p>
+            <a:r>
+              <a:rPr lang="en-US" dirty="0" smtClean="0"/>
+              <a:t>Public record </a:t>
+            </a:r>
+            <a:r>
+              <a:rPr lang="en-US" dirty="0"/>
+              <a:t>is high correlated (positive) to </a:t>
+            </a:r>
+            <a:r>
+              <a:rPr lang="en-US" dirty="0" smtClean="0"/>
+              <a:t>public record bankruptcies</a:t>
+            </a:r>
+            <a:r>
+              <a:rPr lang="en-US" dirty="0"/>
+              <a:t>. </a:t>
+            </a:r>
+          </a:p>
+          <a:p>
+            <a:pPr marL="0" indent="0">
+              <a:buNone/>
+            </a:pPr>
+            <a:endParaRPr lang="en-US" dirty="0"/>
+          </a:p>
+        </p:txBody>
+      </p:sp>
+    </p:spTree>
+    <p:extLst>
+      <p:ext uri="{BB962C8B-B14F-4D97-AF65-F5344CB8AC3E}">
+        <p14:creationId xmlns:p14="http://schemas.microsoft.com/office/powerpoint/2010/main" val="562774978"/>
+      </p:ext>
+    </p:extLst>
+  </p:cSld>
+  <p:clrMapOvr>
+    <a:masterClrMapping/>
+  </p:clrMapOvr>
+</p:sld>
+</file>
+
+<file path=ppt/slides/slide21.xml><?xml version="1.0" encoding="utf-8"?>
+<p:sld xmlns:a="http://schemas.openxmlformats.org/drawingml/2006/main" xmlns:r="http://schemas.openxmlformats.org/officeDocument/2006/relationships" xmlns:p="http://schemas.openxmlformats.org/presentationml/2006/main">
+  <p:cSld>
+    <p:spTree>
+      <p:nvGrpSpPr>
+        <p:cNvPr id="1" name=""/>
+        <p:cNvGrpSpPr/>
+        <p:nvPr/>
+      </p:nvGrpSpPr>
+      <p:grpSpPr>
+        <a:xfrm>
+          <a:off x="0" y="0"/>
+          <a:ext cx="0" cy="0"/>
+          <a:chOff x="0" y="0"/>
+          <a:chExt cx="0" cy="0"/>
+        </a:xfrm>
+      </p:grpSpPr>
+      <p:sp>
+        <p:nvSpPr>
+          <p:cNvPr id="2" name="Title 1"/>
+          <p:cNvSpPr>
+            <a:spLocks noGrp="1"/>
+          </p:cNvSpPr>
+          <p:nvPr>
+            <p:ph type="title"/>
+          </p:nvPr>
+        </p:nvSpPr>
+        <p:spPr/>
+        <p:txBody>
+          <a:bodyPr/>
+          <a:lstStyle/>
+          <a:p>
+            <a:r>
+              <a:rPr lang="en-US" dirty="0" smtClean="0"/>
+              <a:t>Appendix - Correlations</a:t>
+            </a:r>
+            <a:endParaRPr lang="en-US" dirty="0"/>
+          </a:p>
+        </p:txBody>
+      </p:sp>
+      <p:pic>
+        <p:nvPicPr>
+          <p:cNvPr id="4" name="Content Placeholder 3"/>
+          <p:cNvPicPr>
+            <a:picLocks noGrp="1" noChangeAspect="1"/>
+          </p:cNvPicPr>
+          <p:nvPr>
+            <p:ph idx="1"/>
+          </p:nvPr>
+        </p:nvPicPr>
+        <p:blipFill>
+          <a:blip r:embed="rId2"/>
+          <a:stretch>
+            <a:fillRect/>
+          </a:stretch>
+        </p:blipFill>
+        <p:spPr>
+          <a:xfrm>
+            <a:off x="1719072" y="1325563"/>
+            <a:ext cx="8138159" cy="5358701"/>
+          </a:xfrm>
+          <a:prstGeom prst="rect">
+            <a:avLst/>
+          </a:prstGeom>
+        </p:spPr>
+      </p:pic>
+    </p:spTree>
+    <p:extLst>
+      <p:ext uri="{BB962C8B-B14F-4D97-AF65-F5344CB8AC3E}">
+        <p14:creationId xmlns:p14="http://schemas.microsoft.com/office/powerpoint/2010/main" val="3419579030"/>
+      </p:ext>
+    </p:extLst>
+  </p:cSld>
+  <p:clrMapOvr>
+    <a:masterClrMapping/>
+  </p:clrMapOvr>
+</p:sld>
+</file>
+
+<file path=ppt/slides/slide22.xml><?xml version="1.0" encoding="utf-8"?>
+<p:sld xmlns:a="http://schemas.openxmlformats.org/drawingml/2006/main" xmlns:r="http://schemas.openxmlformats.org/officeDocument/2006/relationships" xmlns:p="http://schemas.openxmlformats.org/presentationml/2006/main">
+  <p:cSld>
+    <p:spTree>
+      <p:nvGrpSpPr>
+        <p:cNvPr id="1" name=""/>
+        <p:cNvGrpSpPr/>
+        <p:nvPr/>
+      </p:nvGrpSpPr>
+      <p:grpSpPr>
+        <a:xfrm>
+          <a:off x="0" y="0"/>
+          <a:ext cx="0" cy="0"/>
+          <a:chOff x="0" y="0"/>
+          <a:chExt cx="0" cy="0"/>
+        </a:xfrm>
+      </p:grpSpPr>
+      <p:sp>
+        <p:nvSpPr>
+          <p:cNvPr id="2" name="Title 1"/>
+          <p:cNvSpPr>
+            <a:spLocks noGrp="1"/>
+          </p:cNvSpPr>
+          <p:nvPr>
+            <p:ph type="title"/>
+          </p:nvPr>
+        </p:nvSpPr>
+        <p:spPr/>
+        <p:txBody>
+          <a:bodyPr/>
+          <a:lstStyle/>
+          <a:p>
+            <a:r>
+              <a:rPr lang="en-US" dirty="0" smtClean="0"/>
+              <a:t>Appendix – Defaults By State</a:t>
+            </a:r>
+            <a:endParaRPr lang="en-US" dirty="0"/>
+          </a:p>
+        </p:txBody>
+      </p:sp>
+      <p:sp>
+        <p:nvSpPr>
+          <p:cNvPr id="3" name="Content Placeholder 2"/>
+          <p:cNvSpPr>
+            <a:spLocks noGrp="1"/>
+          </p:cNvSpPr>
+          <p:nvPr>
+            <p:ph idx="1"/>
+          </p:nvPr>
+        </p:nvSpPr>
+        <p:spPr/>
+        <p:txBody>
+          <a:bodyPr/>
+          <a:lstStyle/>
+          <a:p>
+            <a:r>
+              <a:rPr lang="en-US" dirty="0"/>
+              <a:t>Maximum </a:t>
+            </a:r>
+            <a:r>
+              <a:rPr lang="en-US" dirty="0" smtClean="0"/>
+              <a:t>defaulters are </a:t>
+            </a:r>
+            <a:r>
+              <a:rPr lang="en-US" dirty="0"/>
+              <a:t>in populous states, California, New </a:t>
+            </a:r>
+            <a:r>
+              <a:rPr lang="en-US" dirty="0" smtClean="0"/>
+              <a:t>York, Florida </a:t>
+            </a:r>
+            <a:r>
+              <a:rPr lang="en-US" dirty="0"/>
+              <a:t>and </a:t>
+            </a:r>
+            <a:r>
+              <a:rPr lang="en-US" dirty="0" smtClean="0"/>
+              <a:t>Texas.</a:t>
+            </a:r>
+          </a:p>
+          <a:p>
+            <a:endParaRPr lang="en-US" dirty="0"/>
+          </a:p>
+          <a:p>
+            <a:pPr marL="0" indent="0">
+              <a:buNone/>
+            </a:pPr>
+            <a:endParaRPr lang="en-US" dirty="0"/>
+          </a:p>
+        </p:txBody>
+      </p:sp>
+      <p:pic>
+        <p:nvPicPr>
+          <p:cNvPr id="5" name="Picture 4"/>
+          <p:cNvPicPr>
+            <a:picLocks noChangeAspect="1"/>
+          </p:cNvPicPr>
+          <p:nvPr/>
+        </p:nvPicPr>
+        <p:blipFill>
+          <a:blip r:embed="rId2"/>
+          <a:stretch>
+            <a:fillRect/>
+          </a:stretch>
+        </p:blipFill>
+        <p:spPr>
+          <a:xfrm>
+            <a:off x="2304288" y="3051810"/>
+            <a:ext cx="6834378" cy="3314700"/>
+          </a:xfrm>
+          <a:prstGeom prst="rect">
+            <a:avLst/>
+          </a:prstGeom>
+        </p:spPr>
+      </p:pic>
+    </p:spTree>
+    <p:extLst>
+      <p:ext uri="{BB962C8B-B14F-4D97-AF65-F5344CB8AC3E}">
+        <p14:creationId xmlns:p14="http://schemas.microsoft.com/office/powerpoint/2010/main" val="2953401747"/>
+      </p:ext>
+    </p:extLst>
+  </p:cSld>
+  <p:clrMapOvr>
+    <a:masterClrMapping/>
+  </p:clrMapOvr>
+</p:sld>
+</file>
+
+<file path=ppt/slides/slide23.xml><?xml version="1.0" encoding="utf-8"?>
+<p:sld xmlns:a="http://schemas.openxmlformats.org/drawingml/2006/main" xmlns:r="http://schemas.openxmlformats.org/officeDocument/2006/relationships" xmlns:p="http://schemas.openxmlformats.org/presentationml/2006/main">
+  <p:cSld>
+    <p:spTree>
+      <p:nvGrpSpPr>
+        <p:cNvPr id="1" name=""/>
+        <p:cNvGrpSpPr/>
+        <p:nvPr/>
+      </p:nvGrpSpPr>
+      <p:grpSpPr>
+        <a:xfrm>
+          <a:off x="0" y="0"/>
+          <a:ext cx="0" cy="0"/>
+          <a:chOff x="0" y="0"/>
+          <a:chExt cx="0" cy="0"/>
+        </a:xfrm>
+      </p:grpSpPr>
+      <p:sp>
+        <p:nvSpPr>
+          <p:cNvPr id="2" name="Title 1"/>
+          <p:cNvSpPr>
+            <a:spLocks noGrp="1"/>
+          </p:cNvSpPr>
+          <p:nvPr>
+            <p:ph type="title"/>
+          </p:nvPr>
+        </p:nvSpPr>
+        <p:spPr/>
+        <p:txBody>
+          <a:bodyPr/>
+          <a:lstStyle/>
+          <a:p>
+            <a:r>
+              <a:rPr lang="en-US" dirty="0" smtClean="0"/>
+              <a:t>Appendix – Defaults By Employer</a:t>
+            </a:r>
+            <a:endParaRPr lang="en-US" dirty="0"/>
+          </a:p>
+        </p:txBody>
+      </p:sp>
+      <p:sp>
+        <p:nvSpPr>
+          <p:cNvPr id="3" name="Content Placeholder 2"/>
+          <p:cNvSpPr>
+            <a:spLocks noGrp="1"/>
+          </p:cNvSpPr>
+          <p:nvPr>
+            <p:ph idx="1"/>
+          </p:nvPr>
+        </p:nvSpPr>
+        <p:spPr/>
+        <p:txBody>
+          <a:bodyPr/>
+          <a:lstStyle/>
+          <a:p>
+            <a:r>
+              <a:rPr lang="en-US" dirty="0" smtClean="0"/>
+              <a:t>Maximum defaulters are from large organizations – Bank of America, US Army , Walmart , AT&amp;T etc.</a:t>
+            </a:r>
+          </a:p>
+          <a:p>
+            <a:pPr marL="0" indent="0">
+              <a:buNone/>
+            </a:pPr>
+            <a:endParaRPr lang="en-US" dirty="0"/>
+          </a:p>
+        </p:txBody>
+      </p:sp>
+      <p:pic>
+        <p:nvPicPr>
+          <p:cNvPr id="4" name="Picture 3"/>
+          <p:cNvPicPr>
+            <a:picLocks noChangeAspect="1"/>
+          </p:cNvPicPr>
+          <p:nvPr/>
+        </p:nvPicPr>
+        <p:blipFill>
+          <a:blip r:embed="rId2"/>
+          <a:stretch>
+            <a:fillRect/>
+          </a:stretch>
+        </p:blipFill>
+        <p:spPr>
+          <a:xfrm>
+            <a:off x="1563624" y="2868549"/>
+            <a:ext cx="8759952" cy="3790950"/>
+          </a:xfrm>
+          <a:prstGeom prst="rect">
+            <a:avLst/>
+          </a:prstGeom>
+        </p:spPr>
+      </p:pic>
+    </p:spTree>
+    <p:extLst>
+      <p:ext uri="{BB962C8B-B14F-4D97-AF65-F5344CB8AC3E}">
+        <p14:creationId xmlns:p14="http://schemas.microsoft.com/office/powerpoint/2010/main" val="801076924"/>
+      </p:ext>
+    </p:extLst>
+  </p:cSld>
+  <p:clrMapOvr>
+    <a:masterClrMapping/>
+  </p:clrMapOvr>
+</p:sld>
+</file>
+
+<file path=ppt/slides/slide24.xml><?xml version="1.0" encoding="utf-8"?>
+<p:sld xmlns:a="http://schemas.openxmlformats.org/drawingml/2006/main" xmlns:r="http://schemas.openxmlformats.org/officeDocument/2006/relationships" xmlns:p="http://schemas.openxmlformats.org/presentationml/2006/main">
+  <p:cSld>
+    <p:spTree>
+      <p:nvGrpSpPr>
+        <p:cNvPr id="1" name=""/>
+        <p:cNvGrpSpPr/>
+        <p:nvPr/>
+      </p:nvGrpSpPr>
+      <p:grpSpPr>
+        <a:xfrm>
+          <a:off x="0" y="0"/>
+          <a:ext cx="0" cy="0"/>
+          <a:chOff x="0" y="0"/>
+          <a:chExt cx="0" cy="0"/>
+        </a:xfrm>
+      </p:grpSpPr>
+      <p:sp>
+        <p:nvSpPr>
+          <p:cNvPr id="2" name="Title 1"/>
+          <p:cNvSpPr>
+            <a:spLocks noGrp="1"/>
+          </p:cNvSpPr>
+          <p:nvPr>
+            <p:ph type="title"/>
+          </p:nvPr>
+        </p:nvSpPr>
+        <p:spPr/>
+        <p:txBody>
+          <a:bodyPr/>
+          <a:lstStyle/>
+          <a:p>
+            <a:r>
+              <a:rPr lang="en-US" dirty="0" smtClean="0"/>
+              <a:t>Appendix – Loan Amount</a:t>
+            </a:r>
+            <a:endParaRPr lang="en-US" dirty="0"/>
+          </a:p>
+        </p:txBody>
+      </p:sp>
+      <p:sp>
+        <p:nvSpPr>
+          <p:cNvPr id="3" name="Content Placeholder 2"/>
+          <p:cNvSpPr>
+            <a:spLocks noGrp="1"/>
+          </p:cNvSpPr>
+          <p:nvPr>
+            <p:ph idx="1"/>
+          </p:nvPr>
+        </p:nvSpPr>
+        <p:spPr/>
+        <p:txBody>
+          <a:bodyPr/>
+          <a:lstStyle/>
+          <a:p>
+            <a:r>
+              <a:rPr lang="en-US" dirty="0" smtClean="0"/>
+              <a:t>The loan amount increases the chances of default are also increases.</a:t>
+            </a:r>
+          </a:p>
+          <a:p>
+            <a:pPr marL="0" indent="0">
+              <a:buNone/>
+            </a:pPr>
+            <a:endParaRPr lang="en-US" dirty="0"/>
+          </a:p>
+        </p:txBody>
+      </p:sp>
+      <p:pic>
+        <p:nvPicPr>
+          <p:cNvPr id="4" name="Picture 3"/>
+          <p:cNvPicPr>
+            <a:picLocks noChangeAspect="1"/>
+          </p:cNvPicPr>
+          <p:nvPr/>
+        </p:nvPicPr>
+        <p:blipFill>
+          <a:blip r:embed="rId2"/>
+          <a:stretch>
+            <a:fillRect/>
+          </a:stretch>
+        </p:blipFill>
+        <p:spPr>
+          <a:xfrm>
+            <a:off x="1508760" y="2962656"/>
+            <a:ext cx="8339328" cy="3485413"/>
+          </a:xfrm>
+          <a:prstGeom prst="rect">
+            <a:avLst/>
+          </a:prstGeom>
+        </p:spPr>
+      </p:pic>
+    </p:spTree>
+    <p:extLst>
+      <p:ext uri="{BB962C8B-B14F-4D97-AF65-F5344CB8AC3E}">
+        <p14:creationId xmlns:p14="http://schemas.microsoft.com/office/powerpoint/2010/main" val="3300796619"/>
+      </p:ext>
+    </p:extLst>
+  </p:cSld>
+  <p:clrMapOvr>
+    <a:masterClrMapping/>
+  </p:clrMapOvr>
+</p:sld>
+</file>
+
 <file path=ppt/slides/slide3.xml><?xml version="1.0" encoding="utf-8"?>
 <p:sld xmlns:a="http://schemas.openxmlformats.org/drawingml/2006/main" xmlns:r="http://schemas.openxmlformats.org/officeDocument/2006/relationships" xmlns:p="http://schemas.openxmlformats.org/presentationml/2006/main">
   <p:cSld>
@@ -10675,7 +12838,6 @@
               <a:rPr lang="en-US" dirty="0"/>
               <a:t>interface.</a:t>
             </a:r>
-            <a:endParaRPr lang="en-US" dirty="0"/>
           </a:p>
         </p:txBody>
       </p:sp>
@@ -10806,7 +12968,6 @@
               <a:rPr lang="en-US" dirty="0"/>
               <a:t>and risk assessment.</a:t>
             </a:r>
-            <a:endParaRPr lang="en-US" dirty="0"/>
           </a:p>
         </p:txBody>
       </p:sp>
@@ -10926,7 +13087,6 @@
               <a:rPr lang="en-US" dirty="0"/>
               <a:t>of default</a:t>
             </a:r>
-            <a:endParaRPr lang="en-US" dirty="0"/>
           </a:p>
         </p:txBody>
       </p:sp>
@@ -11206,6 +13366,543 @@
     <p:extLst>
       <p:ext uri="{BB962C8B-B14F-4D97-AF65-F5344CB8AC3E}">
         <p14:creationId xmlns:p14="http://schemas.microsoft.com/office/powerpoint/2010/main" val="2733191435"/>
+      </p:ext>
+    </p:extLst>
+  </p:cSld>
+  <p:clrMapOvr>
+    <a:masterClrMapping/>
+  </p:clrMapOvr>
+  <p:timing>
+    <p:tnLst>
+      <p:par>
+        <p:cTn id="1" dur="indefinite" restart="never" nodeType="tmRoot"/>
+      </p:par>
+    </p:tnLst>
+  </p:timing>
+</p:sld>
+</file>
+
+<file path=ppt/slides/slide6.xml><?xml version="1.0" encoding="utf-8"?>
+<p:sld xmlns:a="http://schemas.openxmlformats.org/drawingml/2006/main" xmlns:r="http://schemas.openxmlformats.org/officeDocument/2006/relationships" xmlns:p="http://schemas.openxmlformats.org/presentationml/2006/main">
+  <p:cSld>
+    <p:spTree>
+      <p:nvGrpSpPr>
+        <p:cNvPr id="1" name=""/>
+        <p:cNvGrpSpPr/>
+        <p:nvPr/>
+      </p:nvGrpSpPr>
+      <p:grpSpPr>
+        <a:xfrm>
+          <a:off x="0" y="0"/>
+          <a:ext cx="0" cy="0"/>
+          <a:chOff x="0" y="0"/>
+          <a:chExt cx="0" cy="0"/>
+        </a:xfrm>
+      </p:grpSpPr>
+      <p:sp>
+        <p:nvSpPr>
+          <p:cNvPr id="2" name="Title 1"/>
+          <p:cNvSpPr>
+            <a:spLocks noGrp="1"/>
+          </p:cNvSpPr>
+          <p:nvPr>
+            <p:ph type="title"/>
+          </p:nvPr>
+        </p:nvSpPr>
+        <p:spPr/>
+        <p:txBody>
+          <a:bodyPr/>
+          <a:lstStyle/>
+          <a:p>
+            <a:r>
+              <a:rPr lang="en-US" dirty="0" smtClean="0"/>
+              <a:t>Analysis – Overall Loan Status</a:t>
+            </a:r>
+            <a:endParaRPr lang="en-US" dirty="0"/>
+          </a:p>
+        </p:txBody>
+      </p:sp>
+      <p:sp>
+        <p:nvSpPr>
+          <p:cNvPr id="3" name="Content Placeholder 2"/>
+          <p:cNvSpPr>
+            <a:spLocks noGrp="1"/>
+          </p:cNvSpPr>
+          <p:nvPr>
+            <p:ph sz="half" idx="1"/>
+          </p:nvPr>
+        </p:nvSpPr>
+        <p:spPr>
+          <a:xfrm>
+            <a:off x="1103312" y="2060575"/>
+            <a:ext cx="4396339" cy="4468241"/>
+          </a:xfrm>
+        </p:spPr>
+        <p:txBody>
+          <a:bodyPr/>
+          <a:lstStyle/>
+          <a:p>
+            <a:r>
+              <a:rPr lang="en-US" dirty="0" smtClean="0"/>
+              <a:t>Approximately 14% of the loans are defaulted</a:t>
+            </a:r>
+          </a:p>
+          <a:p>
+            <a:endParaRPr lang="en-US" dirty="0" smtClean="0"/>
+          </a:p>
+          <a:p>
+            <a:pPr marL="0" indent="0">
+              <a:buNone/>
+            </a:pPr>
+            <a:endParaRPr lang="en-US" dirty="0"/>
+          </a:p>
+          <a:p>
+            <a:pPr marL="0" indent="0">
+              <a:buNone/>
+            </a:pPr>
+            <a:endParaRPr lang="en-US" dirty="0" smtClean="0"/>
+          </a:p>
+          <a:p>
+            <a:endParaRPr lang="en-US" dirty="0"/>
+          </a:p>
+          <a:p>
+            <a:pPr marL="0" indent="0">
+              <a:buNone/>
+            </a:pPr>
+            <a:endParaRPr lang="en-US" dirty="0"/>
+          </a:p>
+        </p:txBody>
+      </p:sp>
+      <p:sp>
+        <p:nvSpPr>
+          <p:cNvPr id="4" name="Content Placeholder 3"/>
+          <p:cNvSpPr>
+            <a:spLocks noGrp="1"/>
+          </p:cNvSpPr>
+          <p:nvPr>
+            <p:ph sz="half" idx="2"/>
+          </p:nvPr>
+        </p:nvSpPr>
+        <p:spPr/>
+        <p:txBody>
+          <a:bodyPr/>
+          <a:lstStyle/>
+          <a:p>
+            <a:r>
+              <a:rPr lang="en-US" dirty="0" smtClean="0"/>
+              <a:t>Lending club recovers only 57% of the loan amount when it is defaulted.</a:t>
+            </a:r>
+          </a:p>
+          <a:p>
+            <a:endParaRPr lang="en-US" dirty="0"/>
+          </a:p>
+        </p:txBody>
+      </p:sp>
+      <p:pic>
+        <p:nvPicPr>
+          <p:cNvPr id="5" name="Picture 4"/>
+          <p:cNvPicPr>
+            <a:picLocks noChangeAspect="1"/>
+          </p:cNvPicPr>
+          <p:nvPr/>
+        </p:nvPicPr>
+        <p:blipFill>
+          <a:blip r:embed="rId2"/>
+          <a:stretch>
+            <a:fillRect/>
+          </a:stretch>
+        </p:blipFill>
+        <p:spPr>
+          <a:xfrm>
+            <a:off x="5961126" y="3182112"/>
+            <a:ext cx="5258562" cy="3346704"/>
+          </a:xfrm>
+          <a:prstGeom prst="rect">
+            <a:avLst/>
+          </a:prstGeom>
+        </p:spPr>
+      </p:pic>
+      <p:pic>
+        <p:nvPicPr>
+          <p:cNvPr id="6" name="Picture 5"/>
+          <p:cNvPicPr>
+            <a:picLocks noChangeAspect="1"/>
+          </p:cNvPicPr>
+          <p:nvPr/>
+        </p:nvPicPr>
+        <p:blipFill>
+          <a:blip r:embed="rId3"/>
+          <a:stretch>
+            <a:fillRect/>
+          </a:stretch>
+        </p:blipFill>
+        <p:spPr>
+          <a:xfrm>
+            <a:off x="948469" y="3182112"/>
+            <a:ext cx="4551181" cy="3264408"/>
+          </a:xfrm>
+          <a:prstGeom prst="rect">
+            <a:avLst/>
+          </a:prstGeom>
+        </p:spPr>
+      </p:pic>
+    </p:spTree>
+    <p:extLst>
+      <p:ext uri="{BB962C8B-B14F-4D97-AF65-F5344CB8AC3E}">
+        <p14:creationId xmlns:p14="http://schemas.microsoft.com/office/powerpoint/2010/main" val="3160802505"/>
+      </p:ext>
+    </p:extLst>
+  </p:cSld>
+  <p:clrMapOvr>
+    <a:masterClrMapping/>
+  </p:clrMapOvr>
+  <p:timing>
+    <p:tnLst>
+      <p:par>
+        <p:cTn id="1" dur="indefinite" restart="never" nodeType="tmRoot"/>
+      </p:par>
+    </p:tnLst>
+  </p:timing>
+</p:sld>
+</file>
+
+<file path=ppt/slides/slide7.xml><?xml version="1.0" encoding="utf-8"?>
+<p:sld xmlns:a="http://schemas.openxmlformats.org/drawingml/2006/main" xmlns:r="http://schemas.openxmlformats.org/officeDocument/2006/relationships" xmlns:p="http://schemas.openxmlformats.org/presentationml/2006/main">
+  <p:cSld>
+    <p:spTree>
+      <p:nvGrpSpPr>
+        <p:cNvPr id="1" name=""/>
+        <p:cNvGrpSpPr/>
+        <p:nvPr/>
+      </p:nvGrpSpPr>
+      <p:grpSpPr>
+        <a:xfrm>
+          <a:off x="0" y="0"/>
+          <a:ext cx="0" cy="0"/>
+          <a:chOff x="0" y="0"/>
+          <a:chExt cx="0" cy="0"/>
+        </a:xfrm>
+      </p:grpSpPr>
+      <p:sp>
+        <p:nvSpPr>
+          <p:cNvPr id="2" name="Title 1"/>
+          <p:cNvSpPr>
+            <a:spLocks noGrp="1"/>
+          </p:cNvSpPr>
+          <p:nvPr>
+            <p:ph type="title"/>
+          </p:nvPr>
+        </p:nvSpPr>
+        <p:spPr/>
+        <p:txBody>
+          <a:bodyPr/>
+          <a:lstStyle/>
+          <a:p>
+            <a:r>
+              <a:rPr lang="en-US" dirty="0" smtClean="0"/>
+              <a:t>Analysis – Loan Understanding -Purpose</a:t>
+            </a:r>
+            <a:endParaRPr lang="en-US" dirty="0"/>
+          </a:p>
+        </p:txBody>
+      </p:sp>
+      <p:sp>
+        <p:nvSpPr>
+          <p:cNvPr id="3" name="Content Placeholder 2"/>
+          <p:cNvSpPr>
+            <a:spLocks noGrp="1"/>
+          </p:cNvSpPr>
+          <p:nvPr>
+            <p:ph idx="1"/>
+          </p:nvPr>
+        </p:nvSpPr>
+        <p:spPr/>
+        <p:txBody>
+          <a:bodyPr/>
+          <a:lstStyle/>
+          <a:p>
+            <a:r>
+              <a:rPr lang="en-US" dirty="0" smtClean="0"/>
+              <a:t>Maximum loans are taken for debt consolidation followed by credit card, Home improvement , Major purchase.</a:t>
+            </a:r>
+          </a:p>
+          <a:p>
+            <a:pPr marL="0" indent="0">
+              <a:buNone/>
+            </a:pPr>
+            <a:endParaRPr lang="en-US" dirty="0"/>
+          </a:p>
+        </p:txBody>
+      </p:sp>
+      <p:pic>
+        <p:nvPicPr>
+          <p:cNvPr id="4" name="Picture 3"/>
+          <p:cNvPicPr>
+            <a:picLocks noChangeAspect="1"/>
+          </p:cNvPicPr>
+          <p:nvPr/>
+        </p:nvPicPr>
+        <p:blipFill>
+          <a:blip r:embed="rId2"/>
+          <a:stretch>
+            <a:fillRect/>
+          </a:stretch>
+        </p:blipFill>
+        <p:spPr>
+          <a:xfrm>
+            <a:off x="1103312" y="2724911"/>
+            <a:ext cx="9878632" cy="3950209"/>
+          </a:xfrm>
+          <a:prstGeom prst="rect">
+            <a:avLst/>
+          </a:prstGeom>
+        </p:spPr>
+      </p:pic>
+    </p:spTree>
+    <p:extLst>
+      <p:ext uri="{BB962C8B-B14F-4D97-AF65-F5344CB8AC3E}">
+        <p14:creationId xmlns:p14="http://schemas.microsoft.com/office/powerpoint/2010/main" val="2395226957"/>
+      </p:ext>
+    </p:extLst>
+  </p:cSld>
+  <p:clrMapOvr>
+    <a:masterClrMapping/>
+  </p:clrMapOvr>
+  <p:timing>
+    <p:tnLst>
+      <p:par>
+        <p:cTn id="1" dur="indefinite" restart="never" nodeType="tmRoot"/>
+      </p:par>
+    </p:tnLst>
+  </p:timing>
+</p:sld>
+</file>
+
+<file path=ppt/slides/slide8.xml><?xml version="1.0" encoding="utf-8"?>
+<p:sld xmlns:a="http://schemas.openxmlformats.org/drawingml/2006/main" xmlns:r="http://schemas.openxmlformats.org/officeDocument/2006/relationships" xmlns:p="http://schemas.openxmlformats.org/presentationml/2006/main">
+  <p:cSld>
+    <p:spTree>
+      <p:nvGrpSpPr>
+        <p:cNvPr id="1" name=""/>
+        <p:cNvGrpSpPr/>
+        <p:nvPr/>
+      </p:nvGrpSpPr>
+      <p:grpSpPr>
+        <a:xfrm>
+          <a:off x="0" y="0"/>
+          <a:ext cx="0" cy="0"/>
+          <a:chOff x="0" y="0"/>
+          <a:chExt cx="0" cy="0"/>
+        </a:xfrm>
+      </p:grpSpPr>
+      <p:sp>
+        <p:nvSpPr>
+          <p:cNvPr id="2" name="Title 1"/>
+          <p:cNvSpPr>
+            <a:spLocks noGrp="1"/>
+          </p:cNvSpPr>
+          <p:nvPr>
+            <p:ph type="title"/>
+          </p:nvPr>
+        </p:nvSpPr>
+        <p:spPr/>
+        <p:txBody>
+          <a:bodyPr/>
+          <a:lstStyle/>
+          <a:p>
+            <a:r>
+              <a:rPr lang="en-US" dirty="0" smtClean="0"/>
+              <a:t>Defaults by Loan Purpose</a:t>
+            </a:r>
+            <a:endParaRPr lang="en-US" dirty="0"/>
+          </a:p>
+        </p:txBody>
+      </p:sp>
+      <p:sp>
+        <p:nvSpPr>
+          <p:cNvPr id="3" name="Content Placeholder 2"/>
+          <p:cNvSpPr>
+            <a:spLocks noGrp="1"/>
+          </p:cNvSpPr>
+          <p:nvPr>
+            <p:ph idx="1"/>
+          </p:nvPr>
+        </p:nvSpPr>
+        <p:spPr/>
+        <p:txBody>
+          <a:bodyPr/>
+          <a:lstStyle/>
+          <a:p>
+            <a:r>
+              <a:rPr lang="en-US" dirty="0"/>
+              <a:t>More than a quarter of loans taken for the purpose of running a </a:t>
+            </a:r>
+            <a:r>
+              <a:rPr lang="en-US" dirty="0" smtClean="0"/>
+              <a:t>small business </a:t>
+            </a:r>
+            <a:r>
+              <a:rPr lang="en-US" dirty="0"/>
+              <a:t>see defaults</a:t>
+            </a:r>
+            <a:r>
+              <a:rPr lang="en-US" dirty="0" smtClean="0"/>
+              <a:t>.</a:t>
+            </a:r>
+          </a:p>
+          <a:p>
+            <a:pPr marL="0" indent="0">
+              <a:buNone/>
+            </a:pPr>
+            <a:endParaRPr lang="en-US" dirty="0"/>
+          </a:p>
+        </p:txBody>
+      </p:sp>
+      <p:pic>
+        <p:nvPicPr>
+          <p:cNvPr id="4" name="Picture 3"/>
+          <p:cNvPicPr>
+            <a:picLocks noChangeAspect="1"/>
+          </p:cNvPicPr>
+          <p:nvPr/>
+        </p:nvPicPr>
+        <p:blipFill>
+          <a:blip r:embed="rId2"/>
+          <a:stretch>
+            <a:fillRect/>
+          </a:stretch>
+        </p:blipFill>
+        <p:spPr>
+          <a:xfrm>
+            <a:off x="1024128" y="2834640"/>
+            <a:ext cx="9747504" cy="3831336"/>
+          </a:xfrm>
+          <a:prstGeom prst="rect">
+            <a:avLst/>
+          </a:prstGeom>
+        </p:spPr>
+      </p:pic>
+    </p:spTree>
+    <p:extLst>
+      <p:ext uri="{BB962C8B-B14F-4D97-AF65-F5344CB8AC3E}">
+        <p14:creationId xmlns:p14="http://schemas.microsoft.com/office/powerpoint/2010/main" val="3096074074"/>
+      </p:ext>
+    </p:extLst>
+  </p:cSld>
+  <p:clrMapOvr>
+    <a:masterClrMapping/>
+  </p:clrMapOvr>
+  <p:timing>
+    <p:tnLst>
+      <p:par>
+        <p:cTn id="1" dur="indefinite" restart="never" nodeType="tmRoot"/>
+      </p:par>
+    </p:tnLst>
+  </p:timing>
+</p:sld>
+</file>
+
+<file path=ppt/slides/slide9.xml><?xml version="1.0" encoding="utf-8"?>
+<p:sld xmlns:a="http://schemas.openxmlformats.org/drawingml/2006/main" xmlns:r="http://schemas.openxmlformats.org/officeDocument/2006/relationships" xmlns:p="http://schemas.openxmlformats.org/presentationml/2006/main">
+  <p:cSld>
+    <p:spTree>
+      <p:nvGrpSpPr>
+        <p:cNvPr id="1" name=""/>
+        <p:cNvGrpSpPr/>
+        <p:nvPr/>
+      </p:nvGrpSpPr>
+      <p:grpSpPr>
+        <a:xfrm>
+          <a:off x="0" y="0"/>
+          <a:ext cx="0" cy="0"/>
+          <a:chOff x="0" y="0"/>
+          <a:chExt cx="0" cy="0"/>
+        </a:xfrm>
+      </p:grpSpPr>
+      <p:sp>
+        <p:nvSpPr>
+          <p:cNvPr id="2" name="Title 1"/>
+          <p:cNvSpPr>
+            <a:spLocks noGrp="1"/>
+          </p:cNvSpPr>
+          <p:nvPr>
+            <p:ph type="title"/>
+          </p:nvPr>
+        </p:nvSpPr>
+        <p:spPr/>
+        <p:txBody>
+          <a:bodyPr/>
+          <a:lstStyle/>
+          <a:p>
+            <a:r>
+              <a:rPr lang="en-US" dirty="0" smtClean="0"/>
+              <a:t>Defaults By Grade &amp; Sub Grade</a:t>
+            </a:r>
+            <a:endParaRPr lang="en-US" dirty="0"/>
+          </a:p>
+        </p:txBody>
+      </p:sp>
+      <p:sp>
+        <p:nvSpPr>
+          <p:cNvPr id="3" name="Content Placeholder 2"/>
+          <p:cNvSpPr>
+            <a:spLocks noGrp="1"/>
+          </p:cNvSpPr>
+          <p:nvPr>
+            <p:ph idx="1"/>
+          </p:nvPr>
+        </p:nvSpPr>
+        <p:spPr>
+          <a:xfrm>
+            <a:off x="1103312" y="1444752"/>
+            <a:ext cx="8946541" cy="4803647"/>
+          </a:xfrm>
+        </p:spPr>
+        <p:txBody>
+          <a:bodyPr/>
+          <a:lstStyle/>
+          <a:p>
+            <a:r>
+              <a:rPr lang="en-US" dirty="0" smtClean="0"/>
+              <a:t>The higher default rate happens for the lower grades. So, the grading system is working.</a:t>
+            </a:r>
+          </a:p>
+          <a:p>
+            <a:pPr marL="0" indent="0">
+              <a:buNone/>
+            </a:pPr>
+            <a:endParaRPr lang="en-US" dirty="0"/>
+          </a:p>
+        </p:txBody>
+      </p:sp>
+      <p:pic>
+        <p:nvPicPr>
+          <p:cNvPr id="4" name="Picture 3"/>
+          <p:cNvPicPr>
+            <a:picLocks noChangeAspect="1"/>
+          </p:cNvPicPr>
+          <p:nvPr/>
+        </p:nvPicPr>
+        <p:blipFill>
+          <a:blip r:embed="rId2"/>
+          <a:stretch>
+            <a:fillRect/>
+          </a:stretch>
+        </p:blipFill>
+        <p:spPr>
+          <a:xfrm>
+            <a:off x="2362466" y="2467329"/>
+            <a:ext cx="6428231" cy="3781070"/>
+          </a:xfrm>
+          <a:prstGeom prst="rect">
+            <a:avLst/>
+          </a:prstGeom>
+        </p:spPr>
+      </p:pic>
+    </p:spTree>
+    <p:extLst>
+      <p:ext uri="{BB962C8B-B14F-4D97-AF65-F5344CB8AC3E}">
+        <p14:creationId xmlns:p14="http://schemas.microsoft.com/office/powerpoint/2010/main" val="480173945"/>
       </p:ext>
     </p:extLst>
   </p:cSld>

--- a/Subhabrata_Ghosh_Lending_Club_Case_Study.pptx
+++ b/Subhabrata_Ghosh_Lending_Club_Case_Study.pptx
@@ -4509,7 +4509,7 @@
           <a:p>
             <a:fld id="{56EBBED9-6560-4149-B575-D9C9746E3F7F}" type="datetimeFigureOut">
               <a:rPr lang="en-US" smtClean="0"/>
-              <a:t>8/14/2020</a:t>
+              <a:t>8/16/2020</a:t>
             </a:fld>
             <a:endParaRPr lang="en-US"/>
           </a:p>
@@ -4784,7 +4784,7 @@
           <a:p>
             <a:fld id="{56EBBED9-6560-4149-B575-D9C9746E3F7F}" type="datetimeFigureOut">
               <a:rPr lang="en-US" smtClean="0"/>
-              <a:t>8/14/2020</a:t>
+              <a:t>8/16/2020</a:t>
             </a:fld>
             <a:endParaRPr lang="en-US"/>
           </a:p>
@@ -4978,7 +4978,7 @@
           <a:p>
             <a:fld id="{56EBBED9-6560-4149-B575-D9C9746E3F7F}" type="datetimeFigureOut">
               <a:rPr lang="en-US" smtClean="0"/>
-              <a:t>8/14/2020</a:t>
+              <a:t>8/16/2020</a:t>
             </a:fld>
             <a:endParaRPr lang="en-US"/>
           </a:p>
@@ -5251,7 +5251,7 @@
           <a:p>
             <a:fld id="{56EBBED9-6560-4149-B575-D9C9746E3F7F}" type="datetimeFigureOut">
               <a:rPr lang="en-US" smtClean="0"/>
-              <a:t>8/14/2020</a:t>
+              <a:t>8/16/2020</a:t>
             </a:fld>
             <a:endParaRPr lang="en-US"/>
           </a:p>
@@ -5592,7 +5592,7 @@
           <a:p>
             <a:fld id="{56EBBED9-6560-4149-B575-D9C9746E3F7F}" type="datetimeFigureOut">
               <a:rPr lang="en-US" smtClean="0"/>
-              <a:t>8/14/2020</a:t>
+              <a:t>8/16/2020</a:t>
             </a:fld>
             <a:endParaRPr lang="en-US"/>
           </a:p>
@@ -6215,7 +6215,7 @@
           <a:p>
             <a:fld id="{56EBBED9-6560-4149-B575-D9C9746E3F7F}" type="datetimeFigureOut">
               <a:rPr lang="en-US" smtClean="0"/>
-              <a:t>8/14/2020</a:t>
+              <a:t>8/16/2020</a:t>
             </a:fld>
             <a:endParaRPr lang="en-US"/>
           </a:p>
@@ -7075,7 +7075,7 @@
           <a:p>
             <a:fld id="{56EBBED9-6560-4149-B575-D9C9746E3F7F}" type="datetimeFigureOut">
               <a:rPr lang="en-US" smtClean="0"/>
-              <a:t>8/14/2020</a:t>
+              <a:t>8/16/2020</a:t>
             </a:fld>
             <a:endParaRPr lang="en-US"/>
           </a:p>
@@ -7245,7 +7245,7 @@
           <a:p>
             <a:fld id="{56EBBED9-6560-4149-B575-D9C9746E3F7F}" type="datetimeFigureOut">
               <a:rPr lang="en-US" smtClean="0"/>
-              <a:t>8/14/2020</a:t>
+              <a:t>8/16/2020</a:t>
             </a:fld>
             <a:endParaRPr lang="en-US"/>
           </a:p>
@@ -7425,7 +7425,7 @@
           <a:p>
             <a:fld id="{56EBBED9-6560-4149-B575-D9C9746E3F7F}" type="datetimeFigureOut">
               <a:rPr lang="en-US" smtClean="0"/>
-              <a:t>8/14/2020</a:t>
+              <a:t>8/16/2020</a:t>
             </a:fld>
             <a:endParaRPr lang="en-US"/>
           </a:p>
@@ -7595,7 +7595,7 @@
           <a:p>
             <a:fld id="{56EBBED9-6560-4149-B575-D9C9746E3F7F}" type="datetimeFigureOut">
               <a:rPr lang="en-US" smtClean="0"/>
-              <a:t>8/14/2020</a:t>
+              <a:t>8/16/2020</a:t>
             </a:fld>
             <a:endParaRPr lang="en-US"/>
           </a:p>
@@ -7842,7 +7842,7 @@
           <a:p>
             <a:fld id="{56EBBED9-6560-4149-B575-D9C9746E3F7F}" type="datetimeFigureOut">
               <a:rPr lang="en-US" smtClean="0"/>
-              <a:t>8/14/2020</a:t>
+              <a:t>8/16/2020</a:t>
             </a:fld>
             <a:endParaRPr lang="en-US"/>
           </a:p>
@@ -8134,7 +8134,7 @@
           <a:p>
             <a:fld id="{56EBBED9-6560-4149-B575-D9C9746E3F7F}" type="datetimeFigureOut">
               <a:rPr lang="en-US" smtClean="0"/>
-              <a:t>8/14/2020</a:t>
+              <a:t>8/16/2020</a:t>
             </a:fld>
             <a:endParaRPr lang="en-US"/>
           </a:p>
@@ -8578,7 +8578,7 @@
           <a:p>
             <a:fld id="{56EBBED9-6560-4149-B575-D9C9746E3F7F}" type="datetimeFigureOut">
               <a:rPr lang="en-US" smtClean="0"/>
-              <a:t>8/14/2020</a:t>
+              <a:t>8/16/2020</a:t>
             </a:fld>
             <a:endParaRPr lang="en-US"/>
           </a:p>
@@ -8696,7 +8696,7 @@
           <a:p>
             <a:fld id="{56EBBED9-6560-4149-B575-D9C9746E3F7F}" type="datetimeFigureOut">
               <a:rPr lang="en-US" smtClean="0"/>
-              <a:t>8/14/2020</a:t>
+              <a:t>8/16/2020</a:t>
             </a:fld>
             <a:endParaRPr lang="en-US"/>
           </a:p>
@@ -8791,7 +8791,7 @@
           <a:p>
             <a:fld id="{56EBBED9-6560-4149-B575-D9C9746E3F7F}" type="datetimeFigureOut">
               <a:rPr lang="en-US" smtClean="0"/>
-              <a:t>8/14/2020</a:t>
+              <a:t>8/16/2020</a:t>
             </a:fld>
             <a:endParaRPr lang="en-US"/>
           </a:p>
@@ -9070,7 +9070,7 @@
           <a:p>
             <a:fld id="{56EBBED9-6560-4149-B575-D9C9746E3F7F}" type="datetimeFigureOut">
               <a:rPr lang="en-US" smtClean="0"/>
-              <a:t>8/14/2020</a:t>
+              <a:t>8/16/2020</a:t>
             </a:fld>
             <a:endParaRPr lang="en-US"/>
           </a:p>
@@ -9345,7 +9345,7 @@
           <a:p>
             <a:fld id="{56EBBED9-6560-4149-B575-D9C9746E3F7F}" type="datetimeFigureOut">
               <a:rPr lang="en-US" smtClean="0"/>
-              <a:t>8/14/2020</a:t>
+              <a:t>8/16/2020</a:t>
             </a:fld>
             <a:endParaRPr lang="en-US"/>
           </a:p>
@@ -9774,7 +9774,7 @@
           <a:p>
             <a:fld id="{56EBBED9-6560-4149-B575-D9C9746E3F7F}" type="datetimeFigureOut">
               <a:rPr lang="en-US" smtClean="0"/>
-              <a:t>8/14/2020</a:t>
+              <a:t>8/16/2020</a:t>
             </a:fld>
             <a:endParaRPr lang="en-US"/>
           </a:p>
@@ -11396,7 +11396,6 @@
               <a:rPr lang="en-US" dirty="0"/>
               <a:t> Rate</a:t>
             </a:r>
-            <a:endParaRPr lang="en-US" dirty="0"/>
           </a:p>
         </p:txBody>
       </p:sp>
@@ -11481,8 +11480,32 @@
         </p:blipFill>
         <p:spPr>
           <a:xfrm>
-            <a:off x="2189416" y="2768727"/>
-            <a:ext cx="7648575" cy="3752850"/>
+            <a:off x="497008" y="2854426"/>
+            <a:ext cx="3718376" cy="2522246"/>
+          </a:xfrm>
+          <a:prstGeom prst="rect">
+            <a:avLst/>
+          </a:prstGeom>
+        </p:spPr>
+      </p:pic>
+      <p:pic>
+        <p:nvPicPr>
+          <p:cNvPr id="5" name="Picture 4"/>
+          <p:cNvPicPr>
+            <a:picLocks noChangeAspect="1"/>
+          </p:cNvPicPr>
+          <p:nvPr/>
+        </p:nvPicPr>
+        <p:blipFill>
+          <a:blip r:embed="rId3"/>
+          <a:stretch>
+            <a:fillRect/>
+          </a:stretch>
+        </p:blipFill>
+        <p:spPr>
+          <a:xfrm>
+            <a:off x="4526281" y="2569464"/>
+            <a:ext cx="7196328" cy="4037812"/>
           </a:xfrm>
           <a:prstGeom prst="rect">
             <a:avLst/>
@@ -11542,7 +11565,6 @@
               <a:rPr lang="en-US" dirty="0"/>
               <a:t>by prior bad record</a:t>
             </a:r>
-            <a:endParaRPr lang="en-US" dirty="0"/>
           </a:p>
         </p:txBody>
       </p:sp>
@@ -11942,7 +11964,6 @@
               <a:rPr lang="en-US" dirty="0"/>
               <a:t> greater than 20</a:t>
             </a:r>
-            <a:endParaRPr lang="en-US" dirty="0"/>
           </a:p>
         </p:txBody>
       </p:sp>

--- a/Subhabrata_Ghosh_Lending_Club_Case_Study.pptx
+++ b/Subhabrata_Ghosh_Lending_Club_Case_Study.pptx
@@ -21,8 +21,8 @@
     <p:sldId id="269" r:id="rId15"/>
     <p:sldId id="270" r:id="rId16"/>
     <p:sldId id="271" r:id="rId17"/>
-    <p:sldId id="272" r:id="rId18"/>
-    <p:sldId id="273" r:id="rId19"/>
+    <p:sldId id="273" r:id="rId18"/>
+    <p:sldId id="280" r:id="rId19"/>
     <p:sldId id="274" r:id="rId20"/>
     <p:sldId id="275" r:id="rId21"/>
     <p:sldId id="276" r:id="rId22"/>
@@ -4509,7 +4509,7 @@
           <a:p>
             <a:fld id="{56EBBED9-6560-4149-B575-D9C9746E3F7F}" type="datetimeFigureOut">
               <a:rPr lang="en-US" smtClean="0"/>
-              <a:t>8/16/2020</a:t>
+              <a:t>8/17/2020</a:t>
             </a:fld>
             <a:endParaRPr lang="en-US"/>
           </a:p>
@@ -4784,7 +4784,7 @@
           <a:p>
             <a:fld id="{56EBBED9-6560-4149-B575-D9C9746E3F7F}" type="datetimeFigureOut">
               <a:rPr lang="en-US" smtClean="0"/>
-              <a:t>8/16/2020</a:t>
+              <a:t>8/17/2020</a:t>
             </a:fld>
             <a:endParaRPr lang="en-US"/>
           </a:p>
@@ -4978,7 +4978,7 @@
           <a:p>
             <a:fld id="{56EBBED9-6560-4149-B575-D9C9746E3F7F}" type="datetimeFigureOut">
               <a:rPr lang="en-US" smtClean="0"/>
-              <a:t>8/16/2020</a:t>
+              <a:t>8/17/2020</a:t>
             </a:fld>
             <a:endParaRPr lang="en-US"/>
           </a:p>
@@ -5251,7 +5251,7 @@
           <a:p>
             <a:fld id="{56EBBED9-6560-4149-B575-D9C9746E3F7F}" type="datetimeFigureOut">
               <a:rPr lang="en-US" smtClean="0"/>
-              <a:t>8/16/2020</a:t>
+              <a:t>8/17/2020</a:t>
             </a:fld>
             <a:endParaRPr lang="en-US"/>
           </a:p>
@@ -5592,7 +5592,7 @@
           <a:p>
             <a:fld id="{56EBBED9-6560-4149-B575-D9C9746E3F7F}" type="datetimeFigureOut">
               <a:rPr lang="en-US" smtClean="0"/>
-              <a:t>8/16/2020</a:t>
+              <a:t>8/17/2020</a:t>
             </a:fld>
             <a:endParaRPr lang="en-US"/>
           </a:p>
@@ -6215,7 +6215,7 @@
           <a:p>
             <a:fld id="{56EBBED9-6560-4149-B575-D9C9746E3F7F}" type="datetimeFigureOut">
               <a:rPr lang="en-US" smtClean="0"/>
-              <a:t>8/16/2020</a:t>
+              <a:t>8/17/2020</a:t>
             </a:fld>
             <a:endParaRPr lang="en-US"/>
           </a:p>
@@ -7075,7 +7075,7 @@
           <a:p>
             <a:fld id="{56EBBED9-6560-4149-B575-D9C9746E3F7F}" type="datetimeFigureOut">
               <a:rPr lang="en-US" smtClean="0"/>
-              <a:t>8/16/2020</a:t>
+              <a:t>8/17/2020</a:t>
             </a:fld>
             <a:endParaRPr lang="en-US"/>
           </a:p>
@@ -7245,7 +7245,7 @@
           <a:p>
             <a:fld id="{56EBBED9-6560-4149-B575-D9C9746E3F7F}" type="datetimeFigureOut">
               <a:rPr lang="en-US" smtClean="0"/>
-              <a:t>8/16/2020</a:t>
+              <a:t>8/17/2020</a:t>
             </a:fld>
             <a:endParaRPr lang="en-US"/>
           </a:p>
@@ -7425,7 +7425,7 @@
           <a:p>
             <a:fld id="{56EBBED9-6560-4149-B575-D9C9746E3F7F}" type="datetimeFigureOut">
               <a:rPr lang="en-US" smtClean="0"/>
-              <a:t>8/16/2020</a:t>
+              <a:t>8/17/2020</a:t>
             </a:fld>
             <a:endParaRPr lang="en-US"/>
           </a:p>
@@ -7595,7 +7595,7 @@
           <a:p>
             <a:fld id="{56EBBED9-6560-4149-B575-D9C9746E3F7F}" type="datetimeFigureOut">
               <a:rPr lang="en-US" smtClean="0"/>
-              <a:t>8/16/2020</a:t>
+              <a:t>8/17/2020</a:t>
             </a:fld>
             <a:endParaRPr lang="en-US"/>
           </a:p>
@@ -7842,7 +7842,7 @@
           <a:p>
             <a:fld id="{56EBBED9-6560-4149-B575-D9C9746E3F7F}" type="datetimeFigureOut">
               <a:rPr lang="en-US" smtClean="0"/>
-              <a:t>8/16/2020</a:t>
+              <a:t>8/17/2020</a:t>
             </a:fld>
             <a:endParaRPr lang="en-US"/>
           </a:p>
@@ -8134,7 +8134,7 @@
           <a:p>
             <a:fld id="{56EBBED9-6560-4149-B575-D9C9746E3F7F}" type="datetimeFigureOut">
               <a:rPr lang="en-US" smtClean="0"/>
-              <a:t>8/16/2020</a:t>
+              <a:t>8/17/2020</a:t>
             </a:fld>
             <a:endParaRPr lang="en-US"/>
           </a:p>
@@ -8578,7 +8578,7 @@
           <a:p>
             <a:fld id="{56EBBED9-6560-4149-B575-D9C9746E3F7F}" type="datetimeFigureOut">
               <a:rPr lang="en-US" smtClean="0"/>
-              <a:t>8/16/2020</a:t>
+              <a:t>8/17/2020</a:t>
             </a:fld>
             <a:endParaRPr lang="en-US"/>
           </a:p>
@@ -8696,7 +8696,7 @@
           <a:p>
             <a:fld id="{56EBBED9-6560-4149-B575-D9C9746E3F7F}" type="datetimeFigureOut">
               <a:rPr lang="en-US" smtClean="0"/>
-              <a:t>8/16/2020</a:t>
+              <a:t>8/17/2020</a:t>
             </a:fld>
             <a:endParaRPr lang="en-US"/>
           </a:p>
@@ -8791,7 +8791,7 @@
           <a:p>
             <a:fld id="{56EBBED9-6560-4149-B575-D9C9746E3F7F}" type="datetimeFigureOut">
               <a:rPr lang="en-US" smtClean="0"/>
-              <a:t>8/16/2020</a:t>
+              <a:t>8/17/2020</a:t>
             </a:fld>
             <a:endParaRPr lang="en-US"/>
           </a:p>
@@ -9070,7 +9070,7 @@
           <a:p>
             <a:fld id="{56EBBED9-6560-4149-B575-D9C9746E3F7F}" type="datetimeFigureOut">
               <a:rPr lang="en-US" smtClean="0"/>
-              <a:t>8/16/2020</a:t>
+              <a:t>8/17/2020</a:t>
             </a:fld>
             <a:endParaRPr lang="en-US"/>
           </a:p>
@@ -9345,7 +9345,7 @@
           <a:p>
             <a:fld id="{56EBBED9-6560-4149-B575-D9C9746E3F7F}" type="datetimeFigureOut">
               <a:rPr lang="en-US" smtClean="0"/>
-              <a:t>8/16/2020</a:t>
+              <a:t>8/17/2020</a:t>
             </a:fld>
             <a:endParaRPr lang="en-US"/>
           </a:p>
@@ -9774,7 +9774,7 @@
           <a:p>
             <a:fld id="{56EBBED9-6560-4149-B575-D9C9746E3F7F}" type="datetimeFigureOut">
               <a:rPr lang="en-US" smtClean="0"/>
-              <a:t>8/16/2020</a:t>
+              <a:t>8/17/2020</a:t>
             </a:fld>
             <a:endParaRPr lang="en-US"/>
           </a:p>
@@ -10850,8 +10850,13 @@
           <a:p>
             <a:r>
               <a:rPr lang="en-US" dirty="0" smtClean="0"/>
-              <a:t>Most bad loans get approved in 2007.</a:t>
-            </a:r>
+              <a:t>Most bad loans get approved in </a:t>
+            </a:r>
+            <a:r>
+              <a:rPr lang="en-US" dirty="0" smtClean="0"/>
+              <a:t>2007 on average</a:t>
+            </a:r>
+            <a:endParaRPr lang="en-US" dirty="0" smtClean="0"/>
           </a:p>
           <a:p>
             <a:r>
@@ -11004,7 +11009,11 @@
             </a:r>
             <a:r>
               <a:rPr lang="en-US" dirty="0"/>
-              <a:t>rates. At rates of 19% and above, more than 33% </a:t>
+              <a:t>rates. At rates of 19% and above, more than </a:t>
+            </a:r>
+            <a:r>
+              <a:rPr lang="en-US" dirty="0" smtClean="0"/>
+              <a:t>30% </a:t>
             </a:r>
             <a:r>
               <a:rPr lang="en-US" dirty="0" smtClean="0"/>
@@ -11382,37 +11391,29 @@
           <a:p>
             <a:r>
               <a:rPr lang="en-US" dirty="0" smtClean="0"/>
-              <a:t>Defaults By </a:t>
+              <a:t>Defaults </a:t>
             </a:r>
             <a:r>
               <a:rPr lang="en-US" dirty="0"/>
-              <a:t>Revolving Line </a:t>
-            </a:r>
-            <a:r>
-              <a:rPr lang="en-US" dirty="0" err="1"/>
-              <a:t>Util</a:t>
-            </a:r>
-            <a:r>
-              <a:rPr lang="en-US" dirty="0"/>
-              <a:t> Rate</a:t>
-            </a:r>
-          </a:p>
-        </p:txBody>
-      </p:sp>
-      <p:sp>
-        <p:nvSpPr>
-          <p:cNvPr id="3" name="Content Placeholder 2"/>
-          <p:cNvSpPr>
-            <a:spLocks noGrp="1"/>
-          </p:cNvSpPr>
-          <p:nvPr>
-            <p:ph idx="1"/>
+              <a:t>by prior bad record</a:t>
+            </a:r>
+          </a:p>
+        </p:txBody>
+      </p:sp>
+      <p:sp>
+        <p:nvSpPr>
+          <p:cNvPr id="6" name="Content Placeholder 5"/>
+          <p:cNvSpPr>
+            <a:spLocks noGrp="1"/>
+          </p:cNvSpPr>
+          <p:nvPr>
+            <p:ph sz="quarter" idx="4"/>
           </p:nvPr>
         </p:nvSpPr>
         <p:spPr>
           <a:xfrm>
-            <a:off x="1103312" y="1453896"/>
-            <a:ext cx="10162096" cy="4794503"/>
+            <a:off x="310897" y="1545336"/>
+            <a:ext cx="11237976" cy="4711002"/>
           </a:xfrm>
         </p:spPr>
         <p:txBody>
@@ -11421,32 +11422,32 @@
           <a:p>
             <a:r>
               <a:rPr lang="en-US" dirty="0"/>
-              <a:t>People with high utilization of </a:t>
-            </a:r>
+              <a:t>96% have no bankruptcy record.</a:t>
+            </a:r>
+          </a:p>
+          <a:p>
             <a:r>
               <a:rPr lang="en-US" dirty="0" smtClean="0"/>
-              <a:t>Revolving Line </a:t>
+              <a:t> </a:t>
             </a:r>
             <a:r>
               <a:rPr lang="en-US" dirty="0"/>
-              <a:t>of Credit at the time of taking </a:t>
+              <a:t>Having even 1 bankruptcy </a:t>
             </a:r>
             <a:r>
               <a:rPr lang="en-US" dirty="0" smtClean="0"/>
-              <a:t>loan default </a:t>
+              <a:t>record increases </a:t>
             </a:r>
             <a:r>
               <a:rPr lang="en-US" dirty="0"/>
-              <a:t>more.</a:t>
-            </a:r>
-          </a:p>
-          <a:p>
+              <a:t>the chances of Charge </a:t>
+            </a:r>
+            <a:r>
+              <a:rPr lang="en-US" dirty="0" smtClean="0"/>
+              <a:t>Off significantly</a:t>
+            </a:r>
             <a:r>
               <a:rPr lang="en-US" dirty="0"/>
-              <a:t>Loans with utilization &gt; 75% are risky</a:t>
-            </a:r>
-            <a:r>
-              <a:rPr lang="en-US" dirty="0" smtClean="0"/>
               <a:t>.</a:t>
             </a:r>
           </a:p>
@@ -11466,7 +11467,7 @@
       </p:sp>
       <p:pic>
         <p:nvPicPr>
-          <p:cNvPr id="4" name="Picture 3"/>
+          <p:cNvPr id="8" name="Picture 7"/>
           <p:cNvPicPr>
             <a:picLocks noChangeAspect="1"/>
           </p:cNvPicPr>
@@ -11480,32 +11481,8 @@
         </p:blipFill>
         <p:spPr>
           <a:xfrm>
-            <a:off x="497008" y="2854426"/>
-            <a:ext cx="3718376" cy="2522246"/>
-          </a:xfrm>
-          <a:prstGeom prst="rect">
-            <a:avLst/>
-          </a:prstGeom>
-        </p:spPr>
-      </p:pic>
-      <p:pic>
-        <p:nvPicPr>
-          <p:cNvPr id="5" name="Picture 4"/>
-          <p:cNvPicPr>
-            <a:picLocks noChangeAspect="1"/>
-          </p:cNvPicPr>
-          <p:nvPr/>
-        </p:nvPicPr>
-        <p:blipFill>
-          <a:blip r:embed="rId3"/>
-          <a:stretch>
-            <a:fillRect/>
-          </a:stretch>
-        </p:blipFill>
-        <p:spPr>
-          <a:xfrm>
-            <a:off x="4526281" y="2569464"/>
-            <a:ext cx="7196328" cy="4037812"/>
+            <a:off x="3072222" y="2860676"/>
+            <a:ext cx="4855626" cy="2819590"/>
           </a:xfrm>
           <a:prstGeom prst="rect">
             <a:avLst/>
@@ -11515,7 +11492,7 @@
     </p:spTree>
     <p:extLst>
       <p:ext uri="{BB962C8B-B14F-4D97-AF65-F5344CB8AC3E}">
-        <p14:creationId xmlns:p14="http://schemas.microsoft.com/office/powerpoint/2010/main" val="3619268940"/>
+        <p14:creationId xmlns:p14="http://schemas.microsoft.com/office/powerpoint/2010/main" val="2680772114"/>
       </p:ext>
     </p:extLst>
   </p:cSld>
@@ -11559,79 +11536,34 @@
           <a:p>
             <a:r>
               <a:rPr lang="en-US" dirty="0" smtClean="0"/>
-              <a:t>Defaults </a:t>
+              <a:t>Defaults By </a:t>
             </a:r>
             <a:r>
               <a:rPr lang="en-US" dirty="0"/>
-              <a:t>by prior bad record</a:t>
-            </a:r>
-          </a:p>
-        </p:txBody>
-      </p:sp>
-      <p:sp>
-        <p:nvSpPr>
-          <p:cNvPr id="4" name="Content Placeholder 3"/>
-          <p:cNvSpPr>
-            <a:spLocks noGrp="1"/>
-          </p:cNvSpPr>
-          <p:nvPr>
-            <p:ph sz="half" idx="2"/>
-          </p:nvPr>
-        </p:nvSpPr>
-        <p:spPr>
-          <a:xfrm>
-            <a:off x="1103312" y="1545336"/>
-            <a:ext cx="4396339" cy="4711002"/>
-          </a:xfrm>
-        </p:spPr>
+              <a:t>ratio of loan amount to annual income</a:t>
+            </a:r>
+          </a:p>
+        </p:txBody>
+      </p:sp>
+      <p:sp>
+        <p:nvSpPr>
+          <p:cNvPr id="3" name="Content Placeholder 2"/>
+          <p:cNvSpPr>
+            <a:spLocks noGrp="1"/>
+          </p:cNvSpPr>
+          <p:nvPr>
+            <p:ph idx="1"/>
+          </p:nvPr>
+        </p:nvSpPr>
+        <p:spPr/>
         <p:txBody>
           <a:bodyPr/>
           <a:lstStyle/>
           <a:p>
             <a:r>
-              <a:rPr lang="en-US" dirty="0" smtClean="0"/>
-              <a:t>94</a:t>
-            </a:r>
-            <a:r>
               <a:rPr lang="en-US" dirty="0"/>
-              <a:t>% have no Public </a:t>
-            </a:r>
-            <a:r>
-              <a:rPr lang="en-US" dirty="0" smtClean="0"/>
-              <a:t>derogatory records</a:t>
-            </a:r>
-            <a:r>
-              <a:rPr lang="en-US" dirty="0"/>
-              <a:t>.</a:t>
-            </a:r>
-          </a:p>
-          <a:p>
-            <a:r>
-              <a:rPr lang="en-US" dirty="0" smtClean="0"/>
-              <a:t> </a:t>
-            </a:r>
-            <a:r>
-              <a:rPr lang="en-US" dirty="0"/>
-              <a:t>Having even 1 derogatory </a:t>
-            </a:r>
-            <a:r>
-              <a:rPr lang="en-US" dirty="0" smtClean="0"/>
-              <a:t>record increases </a:t>
-            </a:r>
-            <a:r>
-              <a:rPr lang="en-US" dirty="0"/>
-              <a:t>the chances of Charge </a:t>
-            </a:r>
-            <a:r>
-              <a:rPr lang="en-US" dirty="0" smtClean="0"/>
-              <a:t>Off significantly</a:t>
-            </a:r>
-            <a:endParaRPr lang="en-US" dirty="0"/>
-          </a:p>
-          <a:p>
-            <a:pPr marL="0" indent="0">
-              <a:buNone/>
-            </a:pPr>
+              <a:t>The default rate gets increased with Loan amount and Annual Income ratio with more than 30% </a:t>
+            </a:r>
             <a:endParaRPr lang="en-US" dirty="0" smtClean="0"/>
           </a:p>
           <a:p>
@@ -11640,92 +11572,6 @@
             </a:pPr>
             <a:endParaRPr lang="en-US" dirty="0"/>
           </a:p>
-        </p:txBody>
-      </p:sp>
-      <p:sp>
-        <p:nvSpPr>
-          <p:cNvPr id="6" name="Content Placeholder 5"/>
-          <p:cNvSpPr>
-            <a:spLocks noGrp="1"/>
-          </p:cNvSpPr>
-          <p:nvPr>
-            <p:ph sz="quarter" idx="4"/>
-          </p:nvPr>
-        </p:nvSpPr>
-        <p:spPr>
-          <a:xfrm>
-            <a:off x="5654495" y="1545336"/>
-            <a:ext cx="5894377" cy="4711002"/>
-          </a:xfrm>
-        </p:spPr>
-        <p:txBody>
-          <a:bodyPr/>
-          <a:lstStyle/>
-          <a:p>
-            <a:r>
-              <a:rPr lang="en-US" dirty="0"/>
-              <a:t>96% have no bankruptcy record.</a:t>
-            </a:r>
-          </a:p>
-          <a:p>
-            <a:r>
-              <a:rPr lang="en-US" dirty="0" smtClean="0"/>
-              <a:t> </a:t>
-            </a:r>
-            <a:r>
-              <a:rPr lang="en-US" dirty="0"/>
-              <a:t>Having even 1 bankruptcy </a:t>
-            </a:r>
-            <a:r>
-              <a:rPr lang="en-US" dirty="0" smtClean="0"/>
-              <a:t>record increases </a:t>
-            </a:r>
-            <a:r>
-              <a:rPr lang="en-US" dirty="0"/>
-              <a:t>the chances of Charge </a:t>
-            </a:r>
-            <a:r>
-              <a:rPr lang="en-US" dirty="0" smtClean="0"/>
-              <a:t>Off significantly</a:t>
-            </a:r>
-            <a:r>
-              <a:rPr lang="en-US" dirty="0"/>
-              <a:t>.</a:t>
-            </a:r>
-          </a:p>
-          <a:p>
-            <a:r>
-              <a:rPr lang="en-US" dirty="0" smtClean="0"/>
-              <a:t> </a:t>
-            </a:r>
-            <a:r>
-              <a:rPr lang="en-US" dirty="0"/>
-              <a:t>Public Derogatory Record and </a:t>
-            </a:r>
-            <a:r>
-              <a:rPr lang="en-US" dirty="0" smtClean="0"/>
-              <a:t>Public Bankruptcy </a:t>
-            </a:r>
-            <a:r>
-              <a:rPr lang="en-US" dirty="0"/>
-              <a:t>records have </a:t>
-            </a:r>
-            <a:r>
-              <a:rPr lang="en-US" dirty="0" smtClean="0"/>
-              <a:t>83% correlation</a:t>
-            </a:r>
-            <a:r>
-              <a:rPr lang="en-US" dirty="0"/>
-              <a:t>. We can use any one</a:t>
-            </a:r>
-            <a:r>
-              <a:rPr lang="en-US" dirty="0" smtClean="0"/>
-              <a:t>.</a:t>
-            </a:r>
-          </a:p>
-          <a:p>
-            <a:endParaRPr lang="en-US" dirty="0"/>
-          </a:p>
           <a:p>
             <a:pPr marL="0" indent="0">
               <a:buNone/>
@@ -11736,7 +11582,7 @@
       </p:sp>
       <p:pic>
         <p:nvPicPr>
-          <p:cNvPr id="7" name="Picture 6"/>
+          <p:cNvPr id="4" name="Picture 3"/>
           <p:cNvPicPr>
             <a:picLocks noChangeAspect="1"/>
           </p:cNvPicPr>
@@ -11750,8 +11596,8 @@
         </p:blipFill>
         <p:spPr>
           <a:xfrm>
-            <a:off x="723533" y="3584448"/>
-            <a:ext cx="4853540" cy="2801302"/>
+            <a:off x="6062853" y="3400424"/>
+            <a:ext cx="5314950" cy="2847975"/>
           </a:xfrm>
           <a:prstGeom prst="rect">
             <a:avLst/>
@@ -11760,7 +11606,7 @@
       </p:pic>
       <p:pic>
         <p:nvPicPr>
-          <p:cNvPr id="8" name="Picture 7"/>
+          <p:cNvPr id="5" name="Picture 4"/>
           <p:cNvPicPr>
             <a:picLocks noChangeAspect="1"/>
           </p:cNvPicPr>
@@ -11774,8 +11620,8 @@
         </p:blipFill>
         <p:spPr>
           <a:xfrm>
-            <a:off x="5879430" y="3566161"/>
-            <a:ext cx="4855626" cy="2819590"/>
+            <a:off x="297942" y="3400424"/>
+            <a:ext cx="5524500" cy="2876550"/>
           </a:xfrm>
           <a:prstGeom prst="rect">
             <a:avLst/>
@@ -11785,7 +11631,7 @@
     </p:spTree>
     <p:extLst>
       <p:ext uri="{BB962C8B-B14F-4D97-AF65-F5344CB8AC3E}">
-        <p14:creationId xmlns:p14="http://schemas.microsoft.com/office/powerpoint/2010/main" val="2680772114"/>
+        <p14:creationId xmlns:p14="http://schemas.microsoft.com/office/powerpoint/2010/main" val="3085620822"/>
       </p:ext>
     </p:extLst>
   </p:cSld>
@@ -11885,32 +11731,6 @@
             <a:r>
               <a:rPr lang="en-US" dirty="0"/>
               <a:t>is small business</a:t>
-            </a:r>
-          </a:p>
-          <a:p>
-            <a:r>
-              <a:rPr lang="en-US" dirty="0" smtClean="0"/>
-              <a:t>Stop </a:t>
-            </a:r>
-            <a:r>
-              <a:rPr lang="en-US" dirty="0"/>
-              <a:t>– approving high-value </a:t>
-            </a:r>
-            <a:r>
-              <a:rPr lang="en-US" dirty="0" smtClean="0"/>
-              <a:t>loans when </a:t>
-            </a:r>
-            <a:r>
-              <a:rPr lang="en-US" dirty="0"/>
-              <a:t>revolving line utilization </a:t>
-            </a:r>
-            <a:r>
-              <a:rPr lang="en-US" dirty="0" smtClean="0"/>
-              <a:t>rate greater </a:t>
-            </a:r>
-            <a:r>
-              <a:rPr lang="en-US" dirty="0"/>
-              <a:t>than 75%</a:t>
             </a:r>
           </a:p>
           <a:p>
@@ -12204,7 +12024,7 @@
           <a:p>
             <a:r>
               <a:rPr lang="en-US" dirty="0" smtClean="0"/>
-              <a:t>Appendix - Correlations </a:t>
+              <a:t>Appendix - Correlations [1/2]</a:t>
             </a:r>
             <a:endParaRPr lang="en-US" dirty="0"/>
           </a:p>
@@ -12227,50 +12047,18 @@
           <a:p>
             <a:r>
               <a:rPr lang="en-US" dirty="0"/>
-              <a:t>Loan Amount is highly correlated (positive) with the installments , interest rates </a:t>
-            </a:r>
-          </a:p>
-          <a:p>
+              <a:t>Loan Amount is correlated (positive) with the installments , interest rates , annual </a:t>
+            </a:r>
             <a:r>
               <a:rPr lang="en-US" dirty="0" smtClean="0"/>
-              <a:t>Debt-to-Income Ratio </a:t>
-            </a:r>
+              <a:t>income.</a:t>
+            </a:r>
+            <a:endParaRPr lang="en-US" dirty="0"/>
+          </a:p>
+          <a:p>
             <a:r>
               <a:rPr lang="en-US" dirty="0"/>
-              <a:t>is high correlated (positive) to loan issue year and vice-versa. </a:t>
-            </a:r>
-          </a:p>
-          <a:p>
-            <a:r>
-              <a:rPr lang="en-US" dirty="0" smtClean="0"/>
-              <a:t>Interest rate </a:t>
-            </a:r>
-            <a:r>
-              <a:rPr lang="en-US" dirty="0"/>
-              <a:t>is negatively correlated to </a:t>
-            </a:r>
-            <a:r>
-              <a:rPr lang="en-US" dirty="0" smtClean="0"/>
-              <a:t>total account </a:t>
-            </a:r>
-            <a:endParaRPr lang="en-US" dirty="0"/>
-          </a:p>
-          <a:p>
-            <a:r>
-              <a:rPr lang="en-US" dirty="0" smtClean="0"/>
-              <a:t>Public record </a:t>
-            </a:r>
-            <a:r>
-              <a:rPr lang="en-US" dirty="0"/>
-              <a:t>is high correlated (positive) to </a:t>
-            </a:r>
-            <a:r>
-              <a:rPr lang="en-US" dirty="0" smtClean="0"/>
-              <a:t>public record bankruptcies</a:t>
-            </a:r>
-            <a:r>
-              <a:rPr lang="en-US" dirty="0"/>
-              <a:t>. </a:t>
+              <a:t>Interest rate is correlated (positive) with installment </a:t>
             </a:r>
           </a:p>
           <a:p>
@@ -12328,7 +12116,7 @@
           <a:p>
             <a:r>
               <a:rPr lang="en-US" dirty="0" smtClean="0"/>
-              <a:t>Appendix - Correlations</a:t>
+              <a:t>Appendix – Correlations [2/2]</a:t>
             </a:r>
             <a:endParaRPr lang="en-US" dirty="0"/>
           </a:p>
@@ -12336,7 +12124,7 @@
       </p:sp>
       <p:pic>
         <p:nvPicPr>
-          <p:cNvPr id="4" name="Content Placeholder 3"/>
+          <p:cNvPr id="5" name="Content Placeholder 4"/>
           <p:cNvPicPr>
             <a:picLocks noGrp="1" noChangeAspect="1"/>
           </p:cNvPicPr>
@@ -12352,8 +12140,8 @@
         </p:blipFill>
         <p:spPr>
           <a:xfrm>
-            <a:off x="1719072" y="1325563"/>
-            <a:ext cx="8138159" cy="5358701"/>
+            <a:off x="2980241" y="1604582"/>
+            <a:ext cx="5331655" cy="4195762"/>
           </a:xfrm>
           <a:prstGeom prst="rect">
             <a:avLst/>
@@ -13456,7 +13244,7 @@
         <p:spPr>
           <a:xfrm>
             <a:off x="1103312" y="2060575"/>
-            <a:ext cx="4396339" cy="4468241"/>
+            <a:ext cx="9073960" cy="4468241"/>
           </a:xfrm>
         </p:spPr>
         <p:txBody>
@@ -13494,34 +13282,9 @@
           </a:p>
         </p:txBody>
       </p:sp>
-      <p:sp>
-        <p:nvSpPr>
-          <p:cNvPr id="4" name="Content Placeholder 3"/>
-          <p:cNvSpPr>
-            <a:spLocks noGrp="1"/>
-          </p:cNvSpPr>
-          <p:nvPr>
-            <p:ph sz="half" idx="2"/>
-          </p:nvPr>
-        </p:nvSpPr>
-        <p:spPr/>
-        <p:txBody>
-          <a:bodyPr/>
-          <a:lstStyle/>
-          <a:p>
-            <a:r>
-              <a:rPr lang="en-US" dirty="0" smtClean="0"/>
-              <a:t>Lending club recovers only 57% of the loan amount when it is defaulted.</a:t>
-            </a:r>
-          </a:p>
-          <a:p>
-            <a:endParaRPr lang="en-US" dirty="0"/>
-          </a:p>
-        </p:txBody>
-      </p:sp>
       <p:pic>
         <p:nvPicPr>
-          <p:cNvPr id="5" name="Picture 4"/>
+          <p:cNvPr id="8" name="Picture 7"/>
           <p:cNvPicPr>
             <a:picLocks noChangeAspect="1"/>
           </p:cNvPicPr>
@@ -13535,32 +13298,8 @@
         </p:blipFill>
         <p:spPr>
           <a:xfrm>
-            <a:off x="5961126" y="3182112"/>
-            <a:ext cx="5258562" cy="3346704"/>
-          </a:xfrm>
-          <a:prstGeom prst="rect">
-            <a:avLst/>
-          </a:prstGeom>
-        </p:spPr>
-      </p:pic>
-      <p:pic>
-        <p:nvPicPr>
-          <p:cNvPr id="6" name="Picture 5"/>
-          <p:cNvPicPr>
-            <a:picLocks noChangeAspect="1"/>
-          </p:cNvPicPr>
-          <p:nvPr/>
-        </p:nvPicPr>
-        <p:blipFill>
-          <a:blip r:embed="rId3"/>
-          <a:stretch>
-            <a:fillRect/>
-          </a:stretch>
-        </p:blipFill>
-        <p:spPr>
-          <a:xfrm>
-            <a:off x="948469" y="3182112"/>
-            <a:ext cx="4551181" cy="3264408"/>
+            <a:off x="2651379" y="3140964"/>
+            <a:ext cx="5810250" cy="2971800"/>
           </a:xfrm>
           <a:prstGeom prst="rect">
             <a:avLst/>

--- a/Subhabrata_Ghosh_Lending_Club_Case_Study.pptx
+++ b/Subhabrata_Ghosh_Lending_Club_Case_Study.pptx
@@ -10850,13 +10850,8 @@
           <a:p>
             <a:r>
               <a:rPr lang="en-US" dirty="0" smtClean="0"/>
-              <a:t>Most bad loans get approved in </a:t>
-            </a:r>
-            <a:r>
-              <a:rPr lang="en-US" dirty="0" smtClean="0"/>
-              <a:t>2007 on average</a:t>
-            </a:r>
-            <a:endParaRPr lang="en-US" dirty="0" smtClean="0"/>
+              <a:t>Most bad loans get approved in 2007 on average</a:t>
+            </a:r>
           </a:p>
           <a:p>
             <a:r>
@@ -11013,11 +11008,7 @@
             </a:r>
             <a:r>
               <a:rPr lang="en-US" dirty="0" smtClean="0"/>
-              <a:t>30% </a:t>
-            </a:r>
-            <a:r>
-              <a:rPr lang="en-US" dirty="0" smtClean="0"/>
-              <a:t>of loans </a:t>
+              <a:t>30% of loans </a:t>
             </a:r>
             <a:r>
               <a:rPr lang="en-US" dirty="0"/>
@@ -13502,13 +13493,10 @@
               <a:t>small business </a:t>
             </a:r>
             <a:r>
-              <a:rPr lang="en-US" dirty="0"/>
-              <a:t>see defaults</a:t>
-            </a:r>
-            <a:r>
               <a:rPr lang="en-US" dirty="0" smtClean="0"/>
-              <a:t>.</a:t>
-            </a:r>
+              <a:t>are charged off.</a:t>
+            </a:r>
+            <a:endParaRPr lang="en-US" dirty="0" smtClean="0"/>
           </a:p>
           <a:p>
             <a:pPr marL="0" indent="0">
